--- a/2_Technology/Reference_Example-Detailed_walktrough/Slides_Walkthrough.pptx
+++ b/2_Technology/Reference_Example-Detailed_walktrough/Slides_Walkthrough.pptx
@@ -43,14 +43,15 @@
     <p:sldId id="288" r:id="rId39"/>
     <p:sldId id="289" r:id="rId40"/>
     <p:sldId id="290" r:id="rId41"/>
+    <p:sldId id="291" r:id="rId42"/>
   </p:sldIdLst>
   <p:sldSz cy="6858000" cx="12193575"/>
   <p:notesSz cx="7099300" cy="10234600"/>
   <p:embeddedFontLst>
     <p:embeddedFont>
       <p:font typeface="Inter"/>
-      <p:regular r:id="rId42"/>
-      <p:bold r:id="rId43"/>
+      <p:regular r:id="rId43"/>
+      <p:bold r:id="rId44"/>
     </p:embeddedFont>
   </p:embeddedFontLst>
   <p:defaultTextStyle>
@@ -2463,7 +2464,7 @@
   <p:cSld>
     <p:spTree>
       <p:nvGrpSpPr>
-        <p:cNvPr id="242" name="Shape 242"/>
+        <p:cNvPr id="244" name="Shape 244"/>
         <p:cNvGrpSpPr/>
         <p:nvPr/>
       </p:nvGrpSpPr>
@@ -2477,7 +2478,7 @@
       </p:grpSpPr>
       <p:sp>
         <p:nvSpPr>
-          <p:cNvPr id="243" name="Google Shape;243;gce038b8771_0_90:notes"/>
+          <p:cNvPr id="245" name="Google Shape;245;gce038b8771_0_90:notes"/>
           <p:cNvSpPr/>
           <p:nvPr>
             <p:ph idx="2" type="sldImg"/>
@@ -2512,7 +2513,7 @@
       </p:sp>
       <p:sp>
         <p:nvSpPr>
-          <p:cNvPr id="244" name="Google Shape;244;gce038b8771_0_90:notes"/>
+          <p:cNvPr id="246" name="Google Shape;246;gce038b8771_0_90:notes"/>
           <p:cNvSpPr txBox="1"/>
           <p:nvPr>
             <p:ph idx="1" type="body"/>
@@ -2552,7 +2553,7 @@
       </p:sp>
       <p:sp>
         <p:nvSpPr>
-          <p:cNvPr id="245" name="Google Shape;245;gce038b8771_0_90:notes"/>
+          <p:cNvPr id="247" name="Google Shape;247;gce038b8771_0_90:notes"/>
           <p:cNvSpPr txBox="1"/>
           <p:nvPr>
             <p:ph idx="12" type="sldNum"/>
@@ -2608,7 +2609,7 @@
   <p:cSld>
     <p:spTree>
       <p:nvGrpSpPr>
-        <p:cNvPr id="256" name="Shape 256"/>
+        <p:cNvPr id="258" name="Shape 258"/>
         <p:cNvGrpSpPr/>
         <p:nvPr/>
       </p:nvGrpSpPr>
@@ -2622,7 +2623,7 @@
       </p:grpSpPr>
       <p:sp>
         <p:nvSpPr>
-          <p:cNvPr id="257" name="Google Shape;257;gce038b8771_0_208:notes"/>
+          <p:cNvPr id="259" name="Google Shape;259;gce038b8771_0_208:notes"/>
           <p:cNvSpPr/>
           <p:nvPr>
             <p:ph idx="2" type="sldImg"/>
@@ -2657,7 +2658,7 @@
       </p:sp>
       <p:sp>
         <p:nvSpPr>
-          <p:cNvPr id="258" name="Google Shape;258;gce038b8771_0_208:notes"/>
+          <p:cNvPr id="260" name="Google Shape;260;gce038b8771_0_208:notes"/>
           <p:cNvSpPr txBox="1"/>
           <p:nvPr>
             <p:ph idx="1" type="body"/>
@@ -2697,7 +2698,7 @@
       </p:sp>
       <p:sp>
         <p:nvSpPr>
-          <p:cNvPr id="259" name="Google Shape;259;gce038b8771_0_208:notes"/>
+          <p:cNvPr id="261" name="Google Shape;261;gce038b8771_0_208:notes"/>
           <p:cNvSpPr txBox="1"/>
           <p:nvPr>
             <p:ph idx="12" type="sldNum"/>
@@ -2748,7 +2749,7 @@
   <p:cSld>
     <p:spTree>
       <p:nvGrpSpPr>
-        <p:cNvPr id="274" name="Shape 274"/>
+        <p:cNvPr id="276" name="Shape 276"/>
         <p:cNvGrpSpPr/>
         <p:nvPr/>
       </p:nvGrpSpPr>
@@ -2762,7 +2763,7 @@
       </p:grpSpPr>
       <p:sp>
         <p:nvSpPr>
-          <p:cNvPr id="275" name="Google Shape;275;gcde29d0206_0_12:notes"/>
+          <p:cNvPr id="277" name="Google Shape;277;gcde29d0206_0_12:notes"/>
           <p:cNvSpPr/>
           <p:nvPr>
             <p:ph idx="2" type="sldImg"/>
@@ -2797,7 +2798,7 @@
       </p:sp>
       <p:sp>
         <p:nvSpPr>
-          <p:cNvPr id="276" name="Google Shape;276;gcde29d0206_0_12:notes"/>
+          <p:cNvPr id="278" name="Google Shape;278;gcde29d0206_0_12:notes"/>
           <p:cNvSpPr txBox="1"/>
           <p:nvPr>
             <p:ph idx="1" type="body"/>
@@ -2836,7 +2837,7 @@
       </p:sp>
       <p:sp>
         <p:nvSpPr>
-          <p:cNvPr id="277" name="Google Shape;277;gcde29d0206_0_12:notes"/>
+          <p:cNvPr id="279" name="Google Shape;279;gcde29d0206_0_12:notes"/>
           <p:cNvSpPr txBox="1"/>
           <p:nvPr>
             <p:ph idx="12" type="sldNum"/>
@@ -2892,7 +2893,7 @@
   <p:cSld>
     <p:spTree>
       <p:nvGrpSpPr>
-        <p:cNvPr id="281" name="Shape 281"/>
+        <p:cNvPr id="283" name="Shape 283"/>
         <p:cNvGrpSpPr/>
         <p:nvPr/>
       </p:nvGrpSpPr>
@@ -2906,7 +2907,7 @@
       </p:grpSpPr>
       <p:sp>
         <p:nvSpPr>
-          <p:cNvPr id="282" name="Google Shape;282;gc7cdd95ea2_0_12:notes"/>
+          <p:cNvPr id="284" name="Google Shape;284;gc7cdd95ea2_0_12:notes"/>
           <p:cNvSpPr/>
           <p:nvPr>
             <p:ph idx="2" type="sldImg"/>
@@ -2941,7 +2942,7 @@
       </p:sp>
       <p:sp>
         <p:nvSpPr>
-          <p:cNvPr id="283" name="Google Shape;283;gc7cdd95ea2_0_12:notes"/>
+          <p:cNvPr id="285" name="Google Shape;285;gc7cdd95ea2_0_12:notes"/>
           <p:cNvSpPr txBox="1"/>
           <p:nvPr>
             <p:ph idx="1" type="body"/>
@@ -2991,7 +2992,7 @@
   <p:cSld>
     <p:spTree>
       <p:nvGrpSpPr>
-        <p:cNvPr id="288" name="Shape 288"/>
+        <p:cNvPr id="290" name="Shape 290"/>
         <p:cNvGrpSpPr/>
         <p:nvPr/>
       </p:nvGrpSpPr>
@@ -3005,7 +3006,7 @@
       </p:grpSpPr>
       <p:sp>
         <p:nvSpPr>
-          <p:cNvPr id="289" name="Google Shape;289;gcde29d0206_0_18:notes"/>
+          <p:cNvPr id="291" name="Google Shape;291;gcde29d0206_0_18:notes"/>
           <p:cNvSpPr/>
           <p:nvPr>
             <p:ph idx="2" type="sldImg"/>
@@ -3040,7 +3041,7 @@
       </p:sp>
       <p:sp>
         <p:nvSpPr>
-          <p:cNvPr id="290" name="Google Shape;290;gcde29d0206_0_18:notes"/>
+          <p:cNvPr id="292" name="Google Shape;292;gcde29d0206_0_18:notes"/>
           <p:cNvSpPr txBox="1"/>
           <p:nvPr>
             <p:ph idx="1" type="body"/>
@@ -3079,7 +3080,7 @@
       </p:sp>
       <p:sp>
         <p:nvSpPr>
-          <p:cNvPr id="291" name="Google Shape;291;gcde29d0206_0_18:notes"/>
+          <p:cNvPr id="293" name="Google Shape;293;gcde29d0206_0_18:notes"/>
           <p:cNvSpPr txBox="1"/>
           <p:nvPr>
             <p:ph idx="12" type="sldNum"/>
@@ -3135,7 +3136,7 @@
   <p:cSld>
     <p:spTree>
       <p:nvGrpSpPr>
-        <p:cNvPr id="295" name="Shape 295"/>
+        <p:cNvPr id="297" name="Shape 297"/>
         <p:cNvGrpSpPr/>
         <p:nvPr/>
       </p:nvGrpSpPr>
@@ -3149,7 +3150,7 @@
       </p:grpSpPr>
       <p:sp>
         <p:nvSpPr>
-          <p:cNvPr id="296" name="Google Shape;296;gc7cdd95ea2_0_18:notes"/>
+          <p:cNvPr id="298" name="Google Shape;298;gc7cdd95ea2_0_18:notes"/>
           <p:cNvSpPr/>
           <p:nvPr>
             <p:ph idx="2" type="sldImg"/>
@@ -3184,7 +3185,7 @@
       </p:sp>
       <p:sp>
         <p:nvSpPr>
-          <p:cNvPr id="297" name="Google Shape;297;gc7cdd95ea2_0_18:notes"/>
+          <p:cNvPr id="299" name="Google Shape;299;gc7cdd95ea2_0_18:notes"/>
           <p:cNvSpPr txBox="1"/>
           <p:nvPr>
             <p:ph idx="1" type="body"/>
@@ -3379,7 +3380,7 @@
   <p:cSld>
     <p:spTree>
       <p:nvGrpSpPr>
-        <p:cNvPr id="302" name="Shape 302"/>
+        <p:cNvPr id="304" name="Shape 304"/>
         <p:cNvGrpSpPr/>
         <p:nvPr/>
       </p:nvGrpSpPr>
@@ -3393,7 +3394,7 @@
       </p:grpSpPr>
       <p:sp>
         <p:nvSpPr>
-          <p:cNvPr id="303" name="Google Shape;303;gce038b8771_0_230:notes"/>
+          <p:cNvPr id="305" name="Google Shape;305;gce038b8771_0_230:notes"/>
           <p:cNvSpPr/>
           <p:nvPr>
             <p:ph idx="2" type="sldImg"/>
@@ -3428,7 +3429,7 @@
       </p:sp>
       <p:sp>
         <p:nvSpPr>
-          <p:cNvPr id="304" name="Google Shape;304;gce038b8771_0_230:notes"/>
+          <p:cNvPr id="306" name="Google Shape;306;gce038b8771_0_230:notes"/>
           <p:cNvSpPr txBox="1"/>
           <p:nvPr>
             <p:ph idx="1" type="body"/>
@@ -3479,7 +3480,7 @@
   <p:cSld>
     <p:spTree>
       <p:nvGrpSpPr>
-        <p:cNvPr id="317" name="Shape 317"/>
+        <p:cNvPr id="319" name="Shape 319"/>
         <p:cNvGrpSpPr/>
         <p:nvPr/>
       </p:nvGrpSpPr>
@@ -3493,7 +3494,7 @@
       </p:grpSpPr>
       <p:sp>
         <p:nvSpPr>
-          <p:cNvPr id="318" name="Google Shape;318;gce038b8771_0_122:notes"/>
+          <p:cNvPr id="320" name="Google Shape;320;gce038b8771_0_122:notes"/>
           <p:cNvSpPr/>
           <p:nvPr>
             <p:ph idx="2" type="sldImg"/>
@@ -3528,7 +3529,7 @@
       </p:sp>
       <p:sp>
         <p:nvSpPr>
-          <p:cNvPr id="319" name="Google Shape;319;gce038b8771_0_122:notes"/>
+          <p:cNvPr id="321" name="Google Shape;321;gce038b8771_0_122:notes"/>
           <p:cNvSpPr txBox="1"/>
           <p:nvPr>
             <p:ph idx="1" type="body"/>
@@ -3579,7 +3580,7 @@
   <p:cSld>
     <p:spTree>
       <p:nvGrpSpPr>
-        <p:cNvPr id="329" name="Shape 329"/>
+        <p:cNvPr id="331" name="Shape 331"/>
         <p:cNvGrpSpPr/>
         <p:nvPr/>
       </p:nvGrpSpPr>
@@ -3593,7 +3594,7 @@
       </p:grpSpPr>
       <p:sp>
         <p:nvSpPr>
-          <p:cNvPr id="330" name="Google Shape;330;gcde29d0206_0_24:notes"/>
+          <p:cNvPr id="332" name="Google Shape;332;gcde29d0206_0_24:notes"/>
           <p:cNvSpPr/>
           <p:nvPr>
             <p:ph idx="2" type="sldImg"/>
@@ -3628,7 +3629,7 @@
       </p:sp>
       <p:sp>
         <p:nvSpPr>
-          <p:cNvPr id="331" name="Google Shape;331;gcde29d0206_0_24:notes"/>
+          <p:cNvPr id="333" name="Google Shape;333;gcde29d0206_0_24:notes"/>
           <p:cNvSpPr txBox="1"/>
           <p:nvPr>
             <p:ph idx="1" type="body"/>
@@ -3667,7 +3668,7 @@
       </p:sp>
       <p:sp>
         <p:nvSpPr>
-          <p:cNvPr id="332" name="Google Shape;332;gcde29d0206_0_24:notes"/>
+          <p:cNvPr id="334" name="Google Shape;334;gcde29d0206_0_24:notes"/>
           <p:cNvSpPr txBox="1"/>
           <p:nvPr>
             <p:ph idx="12" type="sldNum"/>
@@ -3723,7 +3724,7 @@
   <p:cSld>
     <p:spTree>
       <p:nvGrpSpPr>
-        <p:cNvPr id="336" name="Shape 336"/>
+        <p:cNvPr id="338" name="Shape 338"/>
         <p:cNvGrpSpPr/>
         <p:nvPr/>
       </p:nvGrpSpPr>
@@ -3737,7 +3738,7 @@
       </p:grpSpPr>
       <p:sp>
         <p:nvSpPr>
-          <p:cNvPr id="337" name="Google Shape;337;gc7cdd95ea2_0_24:notes"/>
+          <p:cNvPr id="339" name="Google Shape;339;gc7cdd95ea2_0_24:notes"/>
           <p:cNvSpPr/>
           <p:nvPr>
             <p:ph idx="2" type="sldImg"/>
@@ -3772,7 +3773,7 @@
       </p:sp>
       <p:sp>
         <p:nvSpPr>
-          <p:cNvPr id="338" name="Google Shape;338;gc7cdd95ea2_0_24:notes"/>
+          <p:cNvPr id="340" name="Google Shape;340;gc7cdd95ea2_0_24:notes"/>
           <p:cNvSpPr txBox="1"/>
           <p:nvPr>
             <p:ph idx="1" type="body"/>
@@ -3822,7 +3823,7 @@
   <p:cSld>
     <p:spTree>
       <p:nvGrpSpPr>
-        <p:cNvPr id="345" name="Shape 345"/>
+        <p:cNvPr id="347" name="Shape 347"/>
         <p:cNvGrpSpPr/>
         <p:nvPr/>
       </p:nvGrpSpPr>
@@ -3836,7 +3837,7 @@
       </p:grpSpPr>
       <p:sp>
         <p:nvSpPr>
-          <p:cNvPr id="346" name="Google Shape;346;gc7cdd95ea2_0_32:notes"/>
+          <p:cNvPr id="348" name="Google Shape;348;gc7cdd95ea2_0_32:notes"/>
           <p:cNvSpPr/>
           <p:nvPr>
             <p:ph idx="2" type="sldImg"/>
@@ -3871,7 +3872,7 @@
       </p:sp>
       <p:sp>
         <p:nvSpPr>
-          <p:cNvPr id="347" name="Google Shape;347;gc7cdd95ea2_0_32:notes"/>
+          <p:cNvPr id="349" name="Google Shape;349;gc7cdd95ea2_0_32:notes"/>
           <p:cNvSpPr txBox="1"/>
           <p:nvPr>
             <p:ph idx="1" type="body"/>
@@ -3921,7 +3922,7 @@
   <p:cSld>
     <p:spTree>
       <p:nvGrpSpPr>
-        <p:cNvPr id="352" name="Shape 352"/>
+        <p:cNvPr id="354" name="Shape 354"/>
         <p:cNvGrpSpPr/>
         <p:nvPr/>
       </p:nvGrpSpPr>
@@ -3935,7 +3936,7 @@
       </p:grpSpPr>
       <p:sp>
         <p:nvSpPr>
-          <p:cNvPr id="353" name="Google Shape;353;gce038b8771_0_249:notes"/>
+          <p:cNvPr id="355" name="Google Shape;355;gce038b8771_0_249:notes"/>
           <p:cNvSpPr/>
           <p:nvPr>
             <p:ph idx="2" type="sldImg"/>
@@ -3970,7 +3971,7 @@
       </p:sp>
       <p:sp>
         <p:nvSpPr>
-          <p:cNvPr id="354" name="Google Shape;354;gce038b8771_0_249:notes"/>
+          <p:cNvPr id="356" name="Google Shape;356;gce038b8771_0_249:notes"/>
           <p:cNvSpPr txBox="1"/>
           <p:nvPr>
             <p:ph idx="1" type="body"/>
@@ -4020,7 +4021,7 @@
   <p:cSld>
     <p:spTree>
       <p:nvGrpSpPr>
-        <p:cNvPr id="368" name="Shape 368"/>
+        <p:cNvPr id="370" name="Shape 370"/>
         <p:cNvGrpSpPr/>
         <p:nvPr/>
       </p:nvGrpSpPr>
@@ -4034,7 +4035,7 @@
       </p:grpSpPr>
       <p:sp>
         <p:nvSpPr>
-          <p:cNvPr id="369" name="Google Shape;369;gc7cdd95ea2_0_42:notes"/>
+          <p:cNvPr id="371" name="Google Shape;371;gc7cdd95ea2_0_42:notes"/>
           <p:cNvSpPr/>
           <p:nvPr>
             <p:ph idx="2" type="sldImg"/>
@@ -4069,7 +4070,7 @@
       </p:sp>
       <p:sp>
         <p:nvSpPr>
-          <p:cNvPr id="370" name="Google Shape;370;gc7cdd95ea2_0_42:notes"/>
+          <p:cNvPr id="372" name="Google Shape;372;gc7cdd95ea2_0_42:notes"/>
           <p:cNvSpPr txBox="1"/>
           <p:nvPr>
             <p:ph idx="1" type="body"/>
@@ -4119,7 +4120,7 @@
   <p:cSld>
     <p:spTree>
       <p:nvGrpSpPr>
-        <p:cNvPr id="380" name="Shape 380"/>
+        <p:cNvPr id="382" name="Shape 382"/>
         <p:cNvGrpSpPr/>
         <p:nvPr/>
       </p:nvGrpSpPr>
@@ -4133,7 +4134,7 @@
       </p:grpSpPr>
       <p:sp>
         <p:nvSpPr>
-          <p:cNvPr id="381" name="Google Shape;381;gcde29d0206_0_43:notes"/>
+          <p:cNvPr id="383" name="Google Shape;383;gcde29d0206_0_43:notes"/>
           <p:cNvSpPr/>
           <p:nvPr>
             <p:ph idx="2" type="sldImg"/>
@@ -4168,7 +4169,7 @@
       </p:sp>
       <p:sp>
         <p:nvSpPr>
-          <p:cNvPr id="382" name="Google Shape;382;gcde29d0206_0_43:notes"/>
+          <p:cNvPr id="384" name="Google Shape;384;gcde29d0206_0_43:notes"/>
           <p:cNvSpPr txBox="1"/>
           <p:nvPr>
             <p:ph idx="1" type="body"/>
@@ -4208,7 +4209,7 @@
       </p:sp>
       <p:sp>
         <p:nvSpPr>
-          <p:cNvPr id="383" name="Google Shape;383;gcde29d0206_0_43:notes"/>
+          <p:cNvPr id="385" name="Google Shape;385;gcde29d0206_0_43:notes"/>
           <p:cNvSpPr txBox="1"/>
           <p:nvPr>
             <p:ph idx="12" type="sldNum"/>
@@ -4264,7 +4265,7 @@
   <p:cSld>
     <p:spTree>
       <p:nvGrpSpPr>
-        <p:cNvPr id="387" name="Shape 387"/>
+        <p:cNvPr id="389" name="Shape 389"/>
         <p:cNvGrpSpPr/>
         <p:nvPr/>
       </p:nvGrpSpPr>
@@ -4278,7 +4279,7 @@
       </p:grpSpPr>
       <p:sp>
         <p:nvSpPr>
-          <p:cNvPr id="388" name="Google Shape;388;gce038b8771_0_128:notes"/>
+          <p:cNvPr id="390" name="Google Shape;390;gce038b8771_0_128:notes"/>
           <p:cNvSpPr/>
           <p:nvPr>
             <p:ph idx="2" type="sldImg"/>
@@ -4313,7 +4314,7 @@
       </p:sp>
       <p:sp>
         <p:nvSpPr>
-          <p:cNvPr id="389" name="Google Shape;389;gce038b8771_0_128:notes"/>
+          <p:cNvPr id="391" name="Google Shape;391;gce038b8771_0_128:notes"/>
           <p:cNvSpPr txBox="1"/>
           <p:nvPr>
             <p:ph idx="1" type="body"/>
@@ -4353,7 +4354,7 @@
       </p:sp>
       <p:sp>
         <p:nvSpPr>
-          <p:cNvPr id="390" name="Google Shape;390;gce038b8771_0_128:notes"/>
+          <p:cNvPr id="392" name="Google Shape;392;gce038b8771_0_128:notes"/>
           <p:cNvSpPr txBox="1"/>
           <p:nvPr>
             <p:ph idx="12" type="sldNum"/>
@@ -4404,7 +4405,7 @@
   <p:cSld>
     <p:spTree>
       <p:nvGrpSpPr>
-        <p:cNvPr id="404" name="Shape 404"/>
+        <p:cNvPr id="406" name="Shape 406"/>
         <p:cNvGrpSpPr/>
         <p:nvPr/>
       </p:nvGrpSpPr>
@@ -4418,7 +4419,7 @@
       </p:grpSpPr>
       <p:sp>
         <p:nvSpPr>
-          <p:cNvPr id="405" name="Google Shape;405;gce038b8771_0_139:notes"/>
+          <p:cNvPr id="407" name="Google Shape;407;gce038b8771_0_139:notes"/>
           <p:cNvSpPr/>
           <p:nvPr>
             <p:ph idx="2" type="sldImg"/>
@@ -4453,7 +4454,7 @@
       </p:sp>
       <p:sp>
         <p:nvSpPr>
-          <p:cNvPr id="406" name="Google Shape;406;gce038b8771_0_139:notes"/>
+          <p:cNvPr id="408" name="Google Shape;408;gce038b8771_0_139:notes"/>
           <p:cNvSpPr txBox="1"/>
           <p:nvPr>
             <p:ph idx="1" type="body"/>
@@ -4492,7 +4493,7 @@
       </p:sp>
       <p:sp>
         <p:nvSpPr>
-          <p:cNvPr id="407" name="Google Shape;407;gce038b8771_0_139:notes"/>
+          <p:cNvPr id="409" name="Google Shape;409;gce038b8771_0_139:notes"/>
           <p:cNvSpPr txBox="1"/>
           <p:nvPr>
             <p:ph idx="12" type="sldNum"/>
@@ -4693,7 +4694,7 @@
   <p:cSld>
     <p:spTree>
       <p:nvGrpSpPr>
-        <p:cNvPr id="418" name="Shape 418"/>
+        <p:cNvPr id="420" name="Shape 420"/>
         <p:cNvGrpSpPr/>
         <p:nvPr/>
       </p:nvGrpSpPr>
@@ -4707,7 +4708,7 @@
       </p:grpSpPr>
       <p:sp>
         <p:nvSpPr>
-          <p:cNvPr id="419" name="Google Shape;419;gce038b8771_0_155:notes"/>
+          <p:cNvPr id="421" name="Google Shape;421;gce038b8771_0_155:notes"/>
           <p:cNvSpPr/>
           <p:nvPr>
             <p:ph idx="2" type="sldImg"/>
@@ -4742,7 +4743,7 @@
       </p:sp>
       <p:sp>
         <p:nvSpPr>
-          <p:cNvPr id="420" name="Google Shape;420;gce038b8771_0_155:notes"/>
+          <p:cNvPr id="422" name="Google Shape;422;gce038b8771_0_155:notes"/>
           <p:cNvSpPr txBox="1"/>
           <p:nvPr>
             <p:ph idx="1" type="body"/>
@@ -4781,7 +4782,7 @@
       </p:sp>
       <p:sp>
         <p:nvSpPr>
-          <p:cNvPr id="421" name="Google Shape;421;gce038b8771_0_155:notes"/>
+          <p:cNvPr id="423" name="Google Shape;423;gce038b8771_0_155:notes"/>
           <p:cNvSpPr txBox="1"/>
           <p:nvPr>
             <p:ph idx="12" type="sldNum"/>
@@ -4832,7 +4833,7 @@
   <p:cSld>
     <p:spTree>
       <p:nvGrpSpPr>
-        <p:cNvPr id="430" name="Shape 430"/>
+        <p:cNvPr id="432" name="Shape 432"/>
         <p:cNvGrpSpPr/>
         <p:nvPr/>
       </p:nvGrpSpPr>
@@ -4846,7 +4847,7 @@
       </p:grpSpPr>
       <p:sp>
         <p:nvSpPr>
-          <p:cNvPr id="431" name="Google Shape;431;gce038b8771_0_147:notes"/>
+          <p:cNvPr id="433" name="Google Shape;433;gce038b8771_0_147:notes"/>
           <p:cNvSpPr/>
           <p:nvPr>
             <p:ph idx="2" type="sldImg"/>
@@ -4881,7 +4882,7 @@
       </p:sp>
       <p:sp>
         <p:nvSpPr>
-          <p:cNvPr id="432" name="Google Shape;432;gce038b8771_0_147:notes"/>
+          <p:cNvPr id="434" name="Google Shape;434;gce038b8771_0_147:notes"/>
           <p:cNvSpPr txBox="1"/>
           <p:nvPr>
             <p:ph idx="1" type="body"/>
@@ -4920,7 +4921,7 @@
       </p:sp>
       <p:sp>
         <p:nvSpPr>
-          <p:cNvPr id="433" name="Google Shape;433;gce038b8771_0_147:notes"/>
+          <p:cNvPr id="435" name="Google Shape;435;gce038b8771_0_147:notes"/>
           <p:cNvSpPr txBox="1"/>
           <p:nvPr>
             <p:ph idx="12" type="sldNum"/>
@@ -4971,7 +4972,7 @@
   <p:cSld>
     <p:spTree>
       <p:nvGrpSpPr>
-        <p:cNvPr id="442" name="Shape 442"/>
+        <p:cNvPr id="444" name="Shape 444"/>
         <p:cNvGrpSpPr/>
         <p:nvPr/>
       </p:nvGrpSpPr>
@@ -4985,7 +4986,7 @@
       </p:grpSpPr>
       <p:sp>
         <p:nvSpPr>
-          <p:cNvPr id="443" name="Google Shape;443;gce038b8771_0_324:notes"/>
+          <p:cNvPr id="445" name="Google Shape;445;gce038b8771_0_324:notes"/>
           <p:cNvSpPr/>
           <p:nvPr>
             <p:ph idx="2" type="sldImg"/>
@@ -5020,7 +5021,7 @@
       </p:sp>
       <p:sp>
         <p:nvSpPr>
-          <p:cNvPr id="444" name="Google Shape;444;gce038b8771_0_324:notes"/>
+          <p:cNvPr id="446" name="Google Shape;446;gce038b8771_0_324:notes"/>
           <p:cNvSpPr txBox="1"/>
           <p:nvPr>
             <p:ph idx="1" type="body"/>
@@ -5059,7 +5060,7 @@
       </p:sp>
       <p:sp>
         <p:nvSpPr>
-          <p:cNvPr id="445" name="Google Shape;445;gce038b8771_0_324:notes"/>
+          <p:cNvPr id="447" name="Google Shape;447;gce038b8771_0_324:notes"/>
           <p:cNvSpPr txBox="1"/>
           <p:nvPr>
             <p:ph idx="12" type="sldNum"/>
@@ -5110,7 +5111,7 @@
   <p:cSld>
     <p:spTree>
       <p:nvGrpSpPr>
-        <p:cNvPr id="462" name="Shape 462"/>
+        <p:cNvPr id="464" name="Shape 464"/>
         <p:cNvGrpSpPr/>
         <p:nvPr/>
       </p:nvGrpSpPr>
@@ -5124,7 +5125,7 @@
       </p:grpSpPr>
       <p:sp>
         <p:nvSpPr>
-          <p:cNvPr id="463" name="Google Shape;463;gce038b8771_0_163:notes"/>
+          <p:cNvPr id="465" name="Google Shape;465;gce038b8771_0_163:notes"/>
           <p:cNvSpPr/>
           <p:nvPr>
             <p:ph idx="2" type="sldImg"/>
@@ -5159,7 +5160,7 @@
       </p:sp>
       <p:sp>
         <p:nvSpPr>
-          <p:cNvPr id="464" name="Google Shape;464;gce038b8771_0_163:notes"/>
+          <p:cNvPr id="466" name="Google Shape;466;gce038b8771_0_163:notes"/>
           <p:cNvSpPr txBox="1"/>
           <p:nvPr>
             <p:ph idx="1" type="body"/>
@@ -5198,7 +5199,7 @@
       </p:sp>
       <p:sp>
         <p:nvSpPr>
-          <p:cNvPr id="465" name="Google Shape;465;gce038b8771_0_163:notes"/>
+          <p:cNvPr id="467" name="Google Shape;467;gce038b8771_0_163:notes"/>
           <p:cNvSpPr txBox="1"/>
           <p:nvPr>
             <p:ph idx="12" type="sldNum"/>
@@ -5249,7 +5250,7 @@
   <p:cSld>
     <p:spTree>
       <p:nvGrpSpPr>
-        <p:cNvPr id="475" name="Shape 475"/>
+        <p:cNvPr id="477" name="Shape 477"/>
         <p:cNvGrpSpPr/>
         <p:nvPr/>
       </p:nvGrpSpPr>
@@ -5263,7 +5264,7 @@
       </p:grpSpPr>
       <p:sp>
         <p:nvSpPr>
-          <p:cNvPr id="476" name="Google Shape;476;gce038b8771_0_171:notes"/>
+          <p:cNvPr id="478" name="Google Shape;478;gce038b8771_0_171:notes"/>
           <p:cNvSpPr/>
           <p:nvPr>
             <p:ph idx="2" type="sldImg"/>
@@ -5298,7 +5299,7 @@
       </p:sp>
       <p:sp>
         <p:nvSpPr>
-          <p:cNvPr id="477" name="Google Shape;477;gce038b8771_0_171:notes"/>
+          <p:cNvPr id="479" name="Google Shape;479;gce038b8771_0_171:notes"/>
           <p:cNvSpPr txBox="1"/>
           <p:nvPr>
             <p:ph idx="1" type="body"/>
@@ -5338,7 +5339,7 @@
       </p:sp>
       <p:sp>
         <p:nvSpPr>
-          <p:cNvPr id="478" name="Google Shape;478;gce038b8771_0_171:notes"/>
+          <p:cNvPr id="480" name="Google Shape;480;gce038b8771_0_171:notes"/>
           <p:cNvSpPr txBox="1"/>
           <p:nvPr>
             <p:ph idx="12" type="sldNum"/>
@@ -5389,7 +5390,7 @@
   <p:cSld>
     <p:spTree>
       <p:nvGrpSpPr>
-        <p:cNvPr id="488" name="Shape 488"/>
+        <p:cNvPr id="490" name="Shape 490"/>
         <p:cNvGrpSpPr/>
         <p:nvPr/>
       </p:nvGrpSpPr>
@@ -5403,7 +5404,151 @@
       </p:grpSpPr>
       <p:sp>
         <p:nvSpPr>
-          <p:cNvPr id="489" name="Google Shape;489;p13:notes"/>
+          <p:cNvPr id="491" name="Google Shape;491;gd52611dbf9_0_0:notes"/>
+          <p:cNvSpPr/>
+          <p:nvPr>
+            <p:ph idx="2" type="sldImg"/>
+          </p:nvPr>
+        </p:nvSpPr>
+        <p:spPr>
+          <a:xfrm>
+            <a:off x="136189" y="766763"/>
+            <a:ext cx="6826800" cy="3840300"/>
+          </a:xfrm>
+          <a:custGeom>
+            <a:rect b="b" l="l" r="r" t="t"/>
+            <a:pathLst>
+              <a:path extrusionOk="0" h="120000" w="120000">
+                <a:moveTo>
+                  <a:pt x="0" y="0"/>
+                </a:moveTo>
+                <a:lnTo>
+                  <a:pt x="120000" y="0"/>
+                </a:lnTo>
+                <a:lnTo>
+                  <a:pt x="120000" y="120000"/>
+                </a:lnTo>
+                <a:lnTo>
+                  <a:pt x="0" y="120000"/>
+                </a:lnTo>
+                <a:close/>
+              </a:path>
+            </a:pathLst>
+          </a:custGeom>
+        </p:spPr>
+      </p:sp>
+      <p:sp>
+        <p:nvSpPr>
+          <p:cNvPr id="492" name="Google Shape;492;gd52611dbf9_0_0:notes"/>
+          <p:cNvSpPr txBox="1"/>
+          <p:nvPr>
+            <p:ph idx="1" type="body"/>
+          </p:nvPr>
+        </p:nvSpPr>
+        <p:spPr>
+          <a:xfrm>
+            <a:off x="946150" y="4862513"/>
+            <a:ext cx="5207100" cy="4605300"/>
+          </a:xfrm>
+          <a:prstGeom prst="rect">
+            <a:avLst/>
+          </a:prstGeom>
+        </p:spPr>
+        <p:txBody>
+          <a:bodyPr anchorCtr="0" anchor="t" bIns="47875" lIns="95775" spcFirstLastPara="1" rIns="95775" wrap="square" tIns="47875">
+            <a:noAutofit/>
+          </a:bodyPr>
+          <a:lstStyle/>
+          <a:p>
+            <a:pPr indent="0" lvl="0" marL="0" rtl="0" algn="l">
+              <a:spcBef>
+                <a:spcPts val="300"/>
+              </a:spcBef>
+              <a:spcAft>
+                <a:spcPts val="0"/>
+              </a:spcAft>
+              <a:buNone/>
+            </a:pPr>
+            <a:r>
+              <a:t/>
+            </a:r>
+            <a:endParaRPr/>
+          </a:p>
+        </p:txBody>
+      </p:sp>
+      <p:sp>
+        <p:nvSpPr>
+          <p:cNvPr id="493" name="Google Shape;493;gd52611dbf9_0_0:notes"/>
+          <p:cNvSpPr txBox="1"/>
+          <p:nvPr>
+            <p:ph idx="12" type="sldNum"/>
+          </p:nvPr>
+        </p:nvSpPr>
+        <p:spPr>
+          <a:xfrm>
+            <a:off x="4024313" y="9723438"/>
+            <a:ext cx="3075000" cy="511200"/>
+          </a:xfrm>
+          <a:prstGeom prst="rect">
+            <a:avLst/>
+          </a:prstGeom>
+        </p:spPr>
+        <p:txBody>
+          <a:bodyPr anchorCtr="0" anchor="b" bIns="47875" lIns="95775" spcFirstLastPara="1" rIns="95775" wrap="square" tIns="47875">
+            <a:noAutofit/>
+          </a:bodyPr>
+          <a:lstStyle/>
+          <a:p>
+            <a:pPr indent="0" lvl="0" marL="0" rtl="0" algn="r">
+              <a:spcBef>
+                <a:spcPts val="0"/>
+              </a:spcBef>
+              <a:spcAft>
+                <a:spcPts val="0"/>
+              </a:spcAft>
+              <a:buClr>
+                <a:srgbClr val="000000"/>
+              </a:buClr>
+              <a:buSzPts val="1200"/>
+              <a:buFont typeface="Arial"/>
+              <a:buNone/>
+            </a:pPr>
+            <a:fld id="{00000000-1234-1234-1234-123412341234}" type="slidenum">
+              <a:rPr lang="en-GB"/>
+              <a:t>‹#›</a:t>
+            </a:fld>
+            <a:endParaRPr/>
+          </a:p>
+        </p:txBody>
+      </p:sp>
+    </p:spTree>
+  </p:cSld>
+  <p:clrMapOvr>
+    <a:masterClrMapping/>
+  </p:clrMapOvr>
+</p:notes>
+</file>
+
+<file path=ppt/notesSlides/notesSlide36.xml><?xml version="1.0" encoding="utf-8"?>
+<p:notes xmlns:a="http://schemas.openxmlformats.org/drawingml/2006/main" xmlns:r="http://schemas.openxmlformats.org/officeDocument/2006/relationships" xmlns:mc="http://schemas.openxmlformats.org/markup-compatibility/2006" xmlns:mv="urn:schemas-microsoft-com:mac:vml" xmlns:p="http://schemas.openxmlformats.org/presentationml/2006/main" xmlns:c="http://schemas.openxmlformats.org/drawingml/2006/chart" xmlns:dgm="http://schemas.openxmlformats.org/drawingml/2006/diagram" xmlns:o="urn:schemas-microsoft-com:office:office" xmlns:v="urn:schemas-microsoft-com:vml" xmlns:pvml="urn:schemas-microsoft-com:office:powerpoint" xmlns:com="http://schemas.openxmlformats.org/drawingml/2006/compatibility" xmlns:p14="http://schemas.microsoft.com/office/powerpoint/2010/main" xmlns:p15="http://schemas.microsoft.com/office/powerpoint/2012/main" xmlns:ahyp="http://schemas.microsoft.com/office/drawing/2018/hyperlinkcolor" showMasterPhAnim="0" showMasterSp="0">
+  <p:cSld>
+    <p:spTree>
+      <p:nvGrpSpPr>
+        <p:cNvPr id="498" name="Shape 498"/>
+        <p:cNvGrpSpPr/>
+        <p:nvPr/>
+      </p:nvGrpSpPr>
+      <p:grpSpPr>
+        <a:xfrm>
+          <a:off x="0" y="0"/>
+          <a:ext cx="0" cy="0"/>
+          <a:chOff x="0" y="0"/>
+          <a:chExt cx="0" cy="0"/>
+        </a:xfrm>
+      </p:grpSpPr>
+      <p:sp>
+        <p:nvSpPr>
+          <p:cNvPr id="499" name="Google Shape;499;p13:notes"/>
           <p:cNvSpPr/>
           <p:nvPr>
             <p:ph idx="2" type="sldImg"/>
@@ -5448,7 +5593,7 @@
       </p:sp>
       <p:sp>
         <p:nvSpPr>
-          <p:cNvPr id="490" name="Google Shape;490;p13:notes"/>
+          <p:cNvPr id="500" name="Google Shape;500;p13:notes"/>
           <p:cNvSpPr txBox="1"/>
           <p:nvPr>
             <p:ph idx="1" type="body"/>
@@ -5495,7 +5640,7 @@
       </p:sp>
       <p:sp>
         <p:nvSpPr>
-          <p:cNvPr id="491" name="Google Shape;491;p13:notes"/>
+          <p:cNvPr id="501" name="Google Shape;501;p13:notes"/>
           <p:cNvSpPr txBox="1"/>
           <p:nvPr>
             <p:ph idx="12" type="sldNum"/>
@@ -15260,6 +15405,9 @@
           <a:lstStyle/>
           <a:p>
             <a:pPr indent="-317500" lvl="0" marL="457200" rtl="0" algn="l">
+              <a:lnSpc>
+                <a:spcPct val="115000"/>
+              </a:lnSpc>
               <a:spcBef>
                 <a:spcPts val="500"/>
               </a:spcBef>
@@ -15277,6 +15425,9 @@
           </a:p>
           <a:p>
             <a:pPr indent="-317500" lvl="1" marL="914400" rtl="0" algn="l">
+              <a:lnSpc>
+                <a:spcPct val="115000"/>
+              </a:lnSpc>
               <a:spcBef>
                 <a:spcPts val="0"/>
               </a:spcBef>
@@ -15294,6 +15445,9 @@
           </a:p>
           <a:p>
             <a:pPr indent="-317500" lvl="1" marL="914400" rtl="0" algn="l">
+              <a:lnSpc>
+                <a:spcPct val="115000"/>
+              </a:lnSpc>
               <a:spcBef>
                 <a:spcPts val="0"/>
               </a:spcBef>
@@ -15311,8 +15465,11 @@
           </a:p>
           <a:p>
             <a:pPr indent="-317500" lvl="0" marL="457200" rtl="0" algn="l">
-              <a:spcBef>
-                <a:spcPts val="0"/>
+              <a:lnSpc>
+                <a:spcPct val="115000"/>
+              </a:lnSpc>
+              <a:spcBef>
+                <a:spcPts val="1000"/>
               </a:spcBef>
               <a:spcAft>
                 <a:spcPts val="0"/>
@@ -15328,6 +15485,9 @@
           </a:p>
           <a:p>
             <a:pPr indent="-317500" lvl="1" marL="914400" rtl="0" algn="l">
+              <a:lnSpc>
+                <a:spcPct val="115000"/>
+              </a:lnSpc>
               <a:spcBef>
                 <a:spcPts val="0"/>
               </a:spcBef>
@@ -15345,8 +15505,11 @@
           </a:p>
           <a:p>
             <a:pPr indent="-317500" lvl="0" marL="457200" rtl="0" algn="l">
-              <a:spcBef>
-                <a:spcPts val="0"/>
+              <a:lnSpc>
+                <a:spcPct val="115000"/>
+              </a:lnSpc>
+              <a:spcBef>
+                <a:spcPts val="1000"/>
               </a:spcBef>
               <a:spcAft>
                 <a:spcPts val="0"/>
@@ -15362,6 +15525,9 @@
           </a:p>
           <a:p>
             <a:pPr indent="-317500" lvl="1" marL="914400" rtl="0" algn="l">
+              <a:lnSpc>
+                <a:spcPct val="115000"/>
+              </a:lnSpc>
               <a:spcBef>
                 <a:spcPts val="0"/>
               </a:spcBef>
@@ -15379,8 +15545,11 @@
           </a:p>
           <a:p>
             <a:pPr indent="-317500" lvl="0" marL="457200" rtl="0" algn="l">
-              <a:spcBef>
-                <a:spcPts val="0"/>
+              <a:lnSpc>
+                <a:spcPct val="115000"/>
+              </a:lnSpc>
+              <a:spcBef>
+                <a:spcPts val="1000"/>
               </a:spcBef>
               <a:spcAft>
                 <a:spcPts val="0"/>
@@ -15396,6 +15565,9 @@
           </a:p>
           <a:p>
             <a:pPr indent="-317500" lvl="1" marL="914400" rtl="0" algn="l">
+              <a:lnSpc>
+                <a:spcPct val="115000"/>
+              </a:lnSpc>
               <a:spcBef>
                 <a:spcPts val="0"/>
               </a:spcBef>
@@ -15413,8 +15585,11 @@
           </a:p>
           <a:p>
             <a:pPr indent="-317500" lvl="0" marL="457200" rtl="0" algn="l">
-              <a:spcBef>
-                <a:spcPts val="0"/>
+              <a:lnSpc>
+                <a:spcPct val="115000"/>
+              </a:lnSpc>
+              <a:spcBef>
+                <a:spcPts val="1000"/>
               </a:spcBef>
               <a:spcAft>
                 <a:spcPts val="0"/>
@@ -15430,6 +15605,9 @@
           </a:p>
           <a:p>
             <a:pPr indent="-317500" lvl="1" marL="914400" rtl="0" algn="l">
+              <a:lnSpc>
+                <a:spcPct val="115000"/>
+              </a:lnSpc>
               <a:spcBef>
                 <a:spcPts val="0"/>
               </a:spcBef>
@@ -15701,6 +15879,9 @@
           <a:lstStyle/>
           <a:p>
             <a:pPr indent="-317500" lvl="0" marL="457200" rtl="0" algn="l">
+              <a:lnSpc>
+                <a:spcPct val="115000"/>
+              </a:lnSpc>
               <a:spcBef>
                 <a:spcPts val="500"/>
               </a:spcBef>
@@ -15718,6 +15899,9 @@
           </a:p>
           <a:p>
             <a:pPr indent="-317500" lvl="1" marL="914400" rtl="0" algn="l">
+              <a:lnSpc>
+                <a:spcPct val="115000"/>
+              </a:lnSpc>
               <a:spcBef>
                 <a:spcPts val="0"/>
               </a:spcBef>
@@ -15735,6 +15919,9 @@
           </a:p>
           <a:p>
             <a:pPr indent="-317500" lvl="1" marL="914400" rtl="0" algn="l">
+              <a:lnSpc>
+                <a:spcPct val="115000"/>
+              </a:lnSpc>
               <a:spcBef>
                 <a:spcPts val="0"/>
               </a:spcBef>
@@ -15757,8 +15944,11 @@
           </a:p>
           <a:p>
             <a:pPr indent="-317500" lvl="0" marL="457200" rtl="0" algn="l">
-              <a:spcBef>
-                <a:spcPts val="0"/>
+              <a:lnSpc>
+                <a:spcPct val="115000"/>
+              </a:lnSpc>
+              <a:spcBef>
+                <a:spcPts val="1000"/>
               </a:spcBef>
               <a:spcAft>
                 <a:spcPts val="0"/>
@@ -15774,6 +15964,9 @@
           </a:p>
           <a:p>
             <a:pPr indent="-317500" lvl="1" marL="914400" rtl="0" algn="l">
+              <a:lnSpc>
+                <a:spcPct val="115000"/>
+              </a:lnSpc>
               <a:spcBef>
                 <a:spcPts val="0"/>
               </a:spcBef>
@@ -15791,6 +15984,9 @@
           </a:p>
           <a:p>
             <a:pPr indent="-317500" lvl="1" marL="914400" rtl="0" algn="l">
+              <a:lnSpc>
+                <a:spcPct val="115000"/>
+              </a:lnSpc>
               <a:spcBef>
                 <a:spcPts val="0"/>
               </a:spcBef>
@@ -15808,6 +16004,9 @@
           </a:p>
           <a:p>
             <a:pPr indent="-317500" lvl="1" marL="914400" rtl="0" algn="l">
+              <a:lnSpc>
+                <a:spcPct val="115000"/>
+              </a:lnSpc>
               <a:spcBef>
                 <a:spcPts val="0"/>
               </a:spcBef>
@@ -15825,6 +16024,9 @@
           </a:p>
           <a:p>
             <a:pPr indent="-317500" lvl="1" marL="914400" rtl="0" algn="l">
+              <a:lnSpc>
+                <a:spcPct val="115000"/>
+              </a:lnSpc>
               <a:spcBef>
                 <a:spcPts val="0"/>
               </a:spcBef>
@@ -15842,6 +16044,9 @@
           </a:p>
           <a:p>
             <a:pPr indent="-317500" lvl="1" marL="914400" rtl="0" algn="l">
+              <a:lnSpc>
+                <a:spcPct val="115000"/>
+              </a:lnSpc>
               <a:spcBef>
                 <a:spcPts val="0"/>
               </a:spcBef>
@@ -15859,8 +16064,11 @@
           </a:p>
           <a:p>
             <a:pPr indent="-317500" lvl="0" marL="457200" rtl="0" algn="l">
-              <a:spcBef>
-                <a:spcPts val="0"/>
+              <a:lnSpc>
+                <a:spcPct val="115000"/>
+              </a:lnSpc>
+              <a:spcBef>
+                <a:spcPts val="1000"/>
               </a:spcBef>
               <a:spcAft>
                 <a:spcPts val="0"/>
@@ -15876,6 +16084,9 @@
           </a:p>
           <a:p>
             <a:pPr indent="-317500" lvl="1" marL="914400" rtl="0" algn="l">
+              <a:lnSpc>
+                <a:spcPct val="115000"/>
+              </a:lnSpc>
               <a:spcBef>
                 <a:spcPts val="0"/>
               </a:spcBef>
@@ -19632,6 +19843,82 @@
           </a:p>
         </p:txBody>
       </p:sp>
+      <p:sp>
+        <p:nvSpPr>
+          <p:cNvPr id="242" name="Google Shape;242;p28"/>
+          <p:cNvSpPr txBox="1"/>
+          <p:nvPr/>
+        </p:nvSpPr>
+        <p:spPr>
+          <a:xfrm>
+            <a:off x="7749075" y="2693850"/>
+            <a:ext cx="1015200" cy="400200"/>
+          </a:xfrm>
+          <a:prstGeom prst="rect">
+            <a:avLst/>
+          </a:prstGeom>
+          <a:noFill/>
+          <a:ln>
+            <a:noFill/>
+          </a:ln>
+        </p:spPr>
+        <p:txBody>
+          <a:bodyPr anchorCtr="0" anchor="t" bIns="91425" lIns="91425" spcFirstLastPara="1" rIns="91425" wrap="square" tIns="91425">
+            <a:spAutoFit/>
+          </a:bodyPr>
+          <a:lstStyle/>
+          <a:p>
+            <a:pPr indent="0" lvl="0" marL="0" rtl="0" algn="l">
+              <a:spcBef>
+                <a:spcPts val="0"/>
+              </a:spcBef>
+              <a:spcAft>
+                <a:spcPts val="0"/>
+              </a:spcAft>
+              <a:buNone/>
+            </a:pPr>
+            <a:r>
+              <a:rPr lang="en-GB">
+                <a:solidFill>
+                  <a:srgbClr val="93C47D"/>
+                </a:solidFill>
+              </a:rPr>
+              <a:t>Standard</a:t>
+            </a:r>
+            <a:endParaRPr>
+              <a:solidFill>
+                <a:srgbClr val="93C47D"/>
+              </a:solidFill>
+            </a:endParaRPr>
+          </a:p>
+        </p:txBody>
+      </p:sp>
+      <p:cxnSp>
+        <p:nvCxnSpPr>
+          <p:cNvPr id="243" name="Google Shape;243;p28"/>
+          <p:cNvCxnSpPr/>
+          <p:nvPr/>
+        </p:nvCxnSpPr>
+        <p:spPr>
+          <a:xfrm flipH="1" rot="10800000">
+            <a:off x="8313575" y="2576350"/>
+            <a:ext cx="69000" cy="234900"/>
+          </a:xfrm>
+          <a:prstGeom prst="straightConnector1">
+            <a:avLst/>
+          </a:prstGeom>
+          <a:noFill/>
+          <a:ln cap="flat" cmpd="sng" w="9525">
+            <a:solidFill>
+              <a:schemeClr val="dk2"/>
+            </a:solidFill>
+            <a:prstDash val="solid"/>
+            <a:round/>
+            <a:headEnd len="med" w="med" type="none"/>
+            <a:tailEnd len="med" w="med" type="triangle"/>
+          </a:ln>
+        </p:spPr>
+      </p:cxnSp>
     </p:spTree>
   </p:cSld>
   <p:clrMapOvr>
@@ -19645,7 +19932,7 @@
   <p:cSld>
     <p:spTree>
       <p:nvGrpSpPr>
-        <p:cNvPr id="246" name="Shape 246"/>
+        <p:cNvPr id="248" name="Shape 248"/>
         <p:cNvGrpSpPr/>
         <p:nvPr/>
       </p:nvGrpSpPr>
@@ -19659,7 +19946,7 @@
       </p:grpSpPr>
       <p:sp>
         <p:nvSpPr>
-          <p:cNvPr id="247" name="Google Shape;247;p29"/>
+          <p:cNvPr id="249" name="Google Shape;249;p29"/>
           <p:cNvSpPr txBox="1"/>
           <p:nvPr>
             <p:ph type="title"/>
@@ -19715,7 +20002,7 @@
       </p:sp>
       <p:sp>
         <p:nvSpPr>
-          <p:cNvPr id="248" name="Google Shape;248;p29"/>
+          <p:cNvPr id="250" name="Google Shape;250;p29"/>
           <p:cNvSpPr txBox="1"/>
           <p:nvPr>
             <p:ph idx="1" type="body"/>
@@ -19913,7 +20200,7 @@
       </p:sp>
       <p:sp>
         <p:nvSpPr>
-          <p:cNvPr id="249" name="Google Shape;249;p29"/>
+          <p:cNvPr id="251" name="Google Shape;251;p29"/>
           <p:cNvSpPr txBox="1"/>
           <p:nvPr>
             <p:ph idx="12" type="sldNum"/>
@@ -19958,7 +20245,7 @@
       </p:sp>
       <p:pic>
         <p:nvPicPr>
-          <p:cNvPr id="250" name="Google Shape;250;p29"/>
+          <p:cNvPr id="252" name="Google Shape;252;p29"/>
           <p:cNvPicPr preferRelativeResize="0"/>
           <p:nvPr/>
         </p:nvPicPr>
@@ -19986,7 +20273,7 @@
       </p:pic>
       <p:sp>
         <p:nvSpPr>
-          <p:cNvPr id="251" name="Google Shape;251;p29"/>
+          <p:cNvPr id="253" name="Google Shape;253;p29"/>
           <p:cNvSpPr/>
           <p:nvPr/>
         </p:nvSpPr>
@@ -20031,7 +20318,7 @@
       </p:sp>
       <p:sp>
         <p:nvSpPr>
-          <p:cNvPr id="252" name="Google Shape;252;p29"/>
+          <p:cNvPr id="254" name="Google Shape;254;p29"/>
           <p:cNvSpPr/>
           <p:nvPr/>
         </p:nvSpPr>
@@ -20076,7 +20363,7 @@
       </p:sp>
       <p:sp>
         <p:nvSpPr>
-          <p:cNvPr id="253" name="Google Shape;253;p29"/>
+          <p:cNvPr id="255" name="Google Shape;255;p29"/>
           <p:cNvSpPr txBox="1"/>
           <p:nvPr/>
         </p:nvSpPr>
@@ -21194,7 +21481,7 @@
       </p:sp>
       <p:cxnSp>
         <p:nvCxnSpPr>
-          <p:cNvPr id="254" name="Google Shape;254;p29"/>
+          <p:cNvPr id="256" name="Google Shape;256;p29"/>
           <p:cNvCxnSpPr/>
           <p:nvPr/>
         </p:nvCxnSpPr>
@@ -21220,7 +21507,7 @@
       </p:cxnSp>
       <p:cxnSp>
         <p:nvCxnSpPr>
-          <p:cNvPr id="255" name="Google Shape;255;p29"/>
+          <p:cNvPr id="257" name="Google Shape;257;p29"/>
           <p:cNvCxnSpPr/>
           <p:nvPr/>
         </p:nvCxnSpPr>
@@ -21257,7 +21544,7 @@
   <p:cSld>
     <p:spTree>
       <p:nvGrpSpPr>
-        <p:cNvPr id="260" name="Shape 260"/>
+        <p:cNvPr id="262" name="Shape 262"/>
         <p:cNvGrpSpPr/>
         <p:nvPr/>
       </p:nvGrpSpPr>
@@ -21271,7 +21558,7 @@
       </p:grpSpPr>
       <p:sp>
         <p:nvSpPr>
-          <p:cNvPr id="261" name="Google Shape;261;p30"/>
+          <p:cNvPr id="263" name="Google Shape;263;p30"/>
           <p:cNvSpPr txBox="1"/>
           <p:nvPr>
             <p:ph type="title"/>
@@ -21327,7 +21614,7 @@
       </p:sp>
       <p:sp>
         <p:nvSpPr>
-          <p:cNvPr id="262" name="Google Shape;262;p30"/>
+          <p:cNvPr id="264" name="Google Shape;264;p30"/>
           <p:cNvSpPr txBox="1"/>
           <p:nvPr>
             <p:ph idx="1" type="body"/>
@@ -21518,7 +21805,7 @@
       </p:sp>
       <p:sp>
         <p:nvSpPr>
-          <p:cNvPr id="263" name="Google Shape;263;p30"/>
+          <p:cNvPr id="265" name="Google Shape;265;p30"/>
           <p:cNvSpPr txBox="1"/>
           <p:nvPr>
             <p:ph idx="12" type="sldNum"/>
@@ -21558,7 +21845,7 @@
       </p:sp>
       <p:pic>
         <p:nvPicPr>
-          <p:cNvPr id="264" name="Google Shape;264;p30"/>
+          <p:cNvPr id="266" name="Google Shape;266;p30"/>
           <p:cNvPicPr preferRelativeResize="0"/>
           <p:nvPr/>
         </p:nvPicPr>
@@ -21586,7 +21873,7 @@
       </p:pic>
       <p:sp>
         <p:nvSpPr>
-          <p:cNvPr id="265" name="Google Shape;265;p30"/>
+          <p:cNvPr id="267" name="Google Shape;267;p30"/>
           <p:cNvSpPr/>
           <p:nvPr/>
         </p:nvSpPr>
@@ -21631,7 +21918,7 @@
       </p:sp>
       <p:sp>
         <p:nvSpPr>
-          <p:cNvPr id="266" name="Google Shape;266;p30"/>
+          <p:cNvPr id="268" name="Google Shape;268;p30"/>
           <p:cNvSpPr/>
           <p:nvPr/>
         </p:nvSpPr>
@@ -21676,7 +21963,7 @@
       </p:sp>
       <p:pic>
         <p:nvPicPr>
-          <p:cNvPr id="267" name="Google Shape;267;p30"/>
+          <p:cNvPr id="269" name="Google Shape;269;p30"/>
           <p:cNvPicPr preferRelativeResize="0"/>
           <p:nvPr/>
         </p:nvPicPr>
@@ -21710,7 +21997,7 @@
       </p:pic>
       <p:cxnSp>
         <p:nvCxnSpPr>
-          <p:cNvPr id="268" name="Google Shape;268;p30"/>
+          <p:cNvPr id="270" name="Google Shape;270;p30"/>
           <p:cNvCxnSpPr/>
           <p:nvPr/>
         </p:nvCxnSpPr>
@@ -21736,7 +22023,7 @@
       </p:cxnSp>
       <p:cxnSp>
         <p:nvCxnSpPr>
-          <p:cNvPr id="269" name="Google Shape;269;p30"/>
+          <p:cNvPr id="271" name="Google Shape;271;p30"/>
           <p:cNvCxnSpPr/>
           <p:nvPr/>
         </p:nvCxnSpPr>
@@ -21762,7 +22049,7 @@
       </p:cxnSp>
       <p:sp>
         <p:nvSpPr>
-          <p:cNvPr id="270" name="Google Shape;270;p30"/>
+          <p:cNvPr id="272" name="Google Shape;272;p30"/>
           <p:cNvSpPr txBox="1"/>
           <p:nvPr/>
         </p:nvSpPr>
@@ -22704,7 +22991,7 @@
       </p:sp>
       <p:sp>
         <p:nvSpPr>
-          <p:cNvPr id="271" name="Google Shape;271;p30"/>
+          <p:cNvPr id="273" name="Google Shape;273;p30"/>
           <p:cNvSpPr/>
           <p:nvPr/>
         </p:nvSpPr>
@@ -22767,7 +23054,7 @@
       </p:sp>
       <p:cxnSp>
         <p:nvCxnSpPr>
-          <p:cNvPr id="272" name="Google Shape;272;p30"/>
+          <p:cNvPr id="274" name="Google Shape;274;p30"/>
           <p:cNvCxnSpPr/>
           <p:nvPr/>
         </p:nvCxnSpPr>
@@ -22793,7 +23080,7 @@
       </p:cxnSp>
       <p:cxnSp>
         <p:nvCxnSpPr>
-          <p:cNvPr id="273" name="Google Shape;273;p30"/>
+          <p:cNvPr id="275" name="Google Shape;275;p30"/>
           <p:cNvCxnSpPr/>
           <p:nvPr/>
         </p:nvCxnSpPr>
@@ -22830,7 +23117,7 @@
   <p:cSld>
     <p:spTree>
       <p:nvGrpSpPr>
-        <p:cNvPr id="278" name="Shape 278"/>
+        <p:cNvPr id="280" name="Shape 280"/>
         <p:cNvGrpSpPr/>
         <p:nvPr/>
       </p:nvGrpSpPr>
@@ -22844,7 +23131,7 @@
       </p:grpSpPr>
       <p:sp>
         <p:nvSpPr>
-          <p:cNvPr id="279" name="Google Shape;279;p31"/>
+          <p:cNvPr id="281" name="Google Shape;281;p31"/>
           <p:cNvSpPr txBox="1"/>
           <p:nvPr>
             <p:ph type="ctrTitle"/>
@@ -22900,7 +23187,7 @@
       </p:sp>
       <p:sp>
         <p:nvSpPr>
-          <p:cNvPr id="280" name="Google Shape;280;p31"/>
+          <p:cNvPr id="282" name="Google Shape;282;p31"/>
           <p:cNvSpPr txBox="1"/>
           <p:nvPr>
             <p:ph idx="12" type="sldNum"/>
@@ -22956,7 +23243,7 @@
   <p:cSld>
     <p:spTree>
       <p:nvGrpSpPr>
-        <p:cNvPr id="284" name="Shape 284"/>
+        <p:cNvPr id="286" name="Shape 286"/>
         <p:cNvGrpSpPr/>
         <p:nvPr/>
       </p:nvGrpSpPr>
@@ -22970,7 +23257,7 @@
       </p:grpSpPr>
       <p:sp>
         <p:nvSpPr>
-          <p:cNvPr id="285" name="Google Shape;285;p32"/>
+          <p:cNvPr id="287" name="Google Shape;287;p32"/>
           <p:cNvSpPr txBox="1"/>
           <p:nvPr>
             <p:ph type="title"/>
@@ -23010,7 +23297,7 @@
       </p:sp>
       <p:sp>
         <p:nvSpPr>
-          <p:cNvPr id="286" name="Google Shape;286;p32"/>
+          <p:cNvPr id="288" name="Google Shape;288;p32"/>
           <p:cNvSpPr txBox="1"/>
           <p:nvPr>
             <p:ph idx="1" type="body"/>
@@ -23110,7 +23397,7 @@
             </a:pPr>
             <a:r>
               <a:rPr lang="en-GB" sz="1500"/>
-              <a:t>Employee has logged in and creates offerings for standard and premium services (6). </a:t>
+              <a:t>Employee has logged in and creates offerings for standard and premium services (6) </a:t>
             </a:r>
             <a:endParaRPr sz="1500"/>
           </a:p>
@@ -23214,7 +23501,7 @@
       </p:sp>
       <p:pic>
         <p:nvPicPr>
-          <p:cNvPr id="287" name="Google Shape;287;p32"/>
+          <p:cNvPr id="289" name="Google Shape;289;p32"/>
           <p:cNvPicPr preferRelativeResize="0"/>
           <p:nvPr/>
         </p:nvPicPr>
@@ -23252,7 +23539,7 @@
   <p:cSld>
     <p:spTree>
       <p:nvGrpSpPr>
-        <p:cNvPr id="292" name="Shape 292"/>
+        <p:cNvPr id="294" name="Shape 294"/>
         <p:cNvGrpSpPr/>
         <p:nvPr/>
       </p:nvGrpSpPr>
@@ -23266,7 +23553,7 @@
       </p:grpSpPr>
       <p:sp>
         <p:nvSpPr>
-          <p:cNvPr id="293" name="Google Shape;293;p33"/>
+          <p:cNvPr id="295" name="Google Shape;295;p33"/>
           <p:cNvSpPr txBox="1"/>
           <p:nvPr>
             <p:ph type="ctrTitle"/>
@@ -23322,7 +23609,7 @@
       </p:sp>
       <p:sp>
         <p:nvSpPr>
-          <p:cNvPr id="294" name="Google Shape;294;p33"/>
+          <p:cNvPr id="296" name="Google Shape;296;p33"/>
           <p:cNvSpPr txBox="1"/>
           <p:nvPr>
             <p:ph idx="12" type="sldNum"/>
@@ -23378,7 +23665,7 @@
   <p:cSld>
     <p:spTree>
       <p:nvGrpSpPr>
-        <p:cNvPr id="298" name="Shape 298"/>
+        <p:cNvPr id="300" name="Shape 300"/>
         <p:cNvGrpSpPr/>
         <p:nvPr/>
       </p:nvGrpSpPr>
@@ -23392,7 +23679,7 @@
       </p:grpSpPr>
       <p:sp>
         <p:nvSpPr>
-          <p:cNvPr id="299" name="Google Shape;299;p34"/>
+          <p:cNvPr id="301" name="Google Shape;301;p34"/>
           <p:cNvSpPr txBox="1"/>
           <p:nvPr>
             <p:ph type="title"/>
@@ -23432,7 +23719,7 @@
       </p:sp>
       <p:sp>
         <p:nvSpPr>
-          <p:cNvPr id="300" name="Google Shape;300;p34"/>
+          <p:cNvPr id="302" name="Google Shape;302;p34"/>
           <p:cNvSpPr txBox="1"/>
           <p:nvPr>
             <p:ph idx="1" type="body"/>
@@ -23632,7 +23919,7 @@
       </p:sp>
       <p:pic>
         <p:nvPicPr>
-          <p:cNvPr id="301" name="Google Shape;301;p34"/>
+          <p:cNvPr id="303" name="Google Shape;303;p34"/>
           <p:cNvPicPr preferRelativeResize="0"/>
           <p:nvPr/>
         </p:nvPicPr>
@@ -23944,7 +24231,7 @@
   <p:cSld>
     <p:spTree>
       <p:nvGrpSpPr>
-        <p:cNvPr id="305" name="Shape 305"/>
+        <p:cNvPr id="307" name="Shape 307"/>
         <p:cNvGrpSpPr/>
         <p:nvPr/>
       </p:nvGrpSpPr>
@@ -23958,7 +24245,7 @@
       </p:grpSpPr>
       <p:sp>
         <p:nvSpPr>
-          <p:cNvPr id="306" name="Google Shape;306;p35"/>
+          <p:cNvPr id="308" name="Google Shape;308;p35"/>
           <p:cNvSpPr txBox="1"/>
           <p:nvPr>
             <p:ph type="title"/>
@@ -23998,7 +24285,7 @@
       </p:sp>
       <p:sp>
         <p:nvSpPr>
-          <p:cNvPr id="307" name="Google Shape;307;p35"/>
+          <p:cNvPr id="309" name="Google Shape;309;p35"/>
           <p:cNvSpPr txBox="1"/>
           <p:nvPr>
             <p:ph idx="1" type="body"/>
@@ -24190,7 +24477,7 @@
       </p:sp>
       <p:pic>
         <p:nvPicPr>
-          <p:cNvPr id="308" name="Google Shape;308;p35"/>
+          <p:cNvPr id="310" name="Google Shape;310;p35"/>
           <p:cNvPicPr preferRelativeResize="0"/>
           <p:nvPr/>
         </p:nvPicPr>
@@ -24217,7 +24504,7 @@
       </p:pic>
       <p:sp>
         <p:nvSpPr>
-          <p:cNvPr id="309" name="Google Shape;309;p35"/>
+          <p:cNvPr id="311" name="Google Shape;311;p35"/>
           <p:cNvSpPr/>
           <p:nvPr/>
         </p:nvSpPr>
@@ -24262,7 +24549,7 @@
       </p:sp>
       <p:sp>
         <p:nvSpPr>
-          <p:cNvPr id="310" name="Google Shape;310;p35"/>
+          <p:cNvPr id="312" name="Google Shape;312;p35"/>
           <p:cNvSpPr/>
           <p:nvPr/>
         </p:nvSpPr>
@@ -24307,7 +24594,7 @@
       </p:sp>
       <p:sp>
         <p:nvSpPr>
-          <p:cNvPr id="311" name="Google Shape;311;p35"/>
+          <p:cNvPr id="313" name="Google Shape;313;p35"/>
           <p:cNvSpPr/>
           <p:nvPr/>
         </p:nvSpPr>
@@ -24352,7 +24639,7 @@
       </p:sp>
       <p:sp>
         <p:nvSpPr>
-          <p:cNvPr id="312" name="Google Shape;312;p35"/>
+          <p:cNvPr id="314" name="Google Shape;314;p35"/>
           <p:cNvSpPr txBox="1"/>
           <p:nvPr/>
         </p:nvSpPr>
@@ -25357,7 +25644,7 @@
       </p:sp>
       <p:cxnSp>
         <p:nvCxnSpPr>
-          <p:cNvPr id="313" name="Google Shape;313;p35"/>
+          <p:cNvPr id="315" name="Google Shape;315;p35"/>
           <p:cNvCxnSpPr/>
           <p:nvPr/>
         </p:nvCxnSpPr>
@@ -25383,7 +25670,7 @@
       </p:cxnSp>
       <p:cxnSp>
         <p:nvCxnSpPr>
-          <p:cNvPr id="314" name="Google Shape;314;p35"/>
+          <p:cNvPr id="316" name="Google Shape;316;p35"/>
           <p:cNvCxnSpPr/>
           <p:nvPr/>
         </p:nvCxnSpPr>
@@ -25409,7 +25696,7 @@
       </p:cxnSp>
       <p:sp>
         <p:nvSpPr>
-          <p:cNvPr id="315" name="Google Shape;315;p35"/>
+          <p:cNvPr id="317" name="Google Shape;317;p35"/>
           <p:cNvSpPr/>
           <p:nvPr/>
         </p:nvSpPr>
@@ -25472,7 +25759,7 @@
       </p:sp>
       <p:sp>
         <p:nvSpPr>
-          <p:cNvPr id="316" name="Google Shape;316;p35"/>
+          <p:cNvPr id="318" name="Google Shape;318;p35"/>
           <p:cNvSpPr/>
           <p:nvPr/>
         </p:nvSpPr>
@@ -25528,7 +25815,7 @@
   <p:cSld>
     <p:spTree>
       <p:nvGrpSpPr>
-        <p:cNvPr id="320" name="Shape 320"/>
+        <p:cNvPr id="322" name="Shape 322"/>
         <p:cNvGrpSpPr/>
         <p:nvPr/>
       </p:nvGrpSpPr>
@@ -25542,7 +25829,7 @@
       </p:grpSpPr>
       <p:sp>
         <p:nvSpPr>
-          <p:cNvPr id="321" name="Google Shape;321;p36"/>
+          <p:cNvPr id="323" name="Google Shape;323;p36"/>
           <p:cNvSpPr txBox="1"/>
           <p:nvPr>
             <p:ph type="title"/>
@@ -25598,7 +25885,7 @@
       </p:sp>
       <p:sp>
         <p:nvSpPr>
-          <p:cNvPr id="322" name="Google Shape;322;p36"/>
+          <p:cNvPr id="324" name="Google Shape;324;p36"/>
           <p:cNvSpPr txBox="1"/>
           <p:nvPr>
             <p:ph idx="1" type="body"/>
@@ -25758,7 +26045,7 @@
       </p:sp>
       <p:pic>
         <p:nvPicPr>
-          <p:cNvPr id="323" name="Google Shape;323;p36"/>
+          <p:cNvPr id="325" name="Google Shape;325;p36"/>
           <p:cNvPicPr preferRelativeResize="0"/>
           <p:nvPr/>
         </p:nvPicPr>
@@ -25785,7 +26072,7 @@
       </p:pic>
       <p:sp>
         <p:nvSpPr>
-          <p:cNvPr id="324" name="Google Shape;324;p36"/>
+          <p:cNvPr id="326" name="Google Shape;326;p36"/>
           <p:cNvSpPr/>
           <p:nvPr/>
         </p:nvSpPr>
@@ -25830,7 +26117,7 @@
       </p:sp>
       <p:sp>
         <p:nvSpPr>
-          <p:cNvPr id="325" name="Google Shape;325;p36"/>
+          <p:cNvPr id="327" name="Google Shape;327;p36"/>
           <p:cNvSpPr txBox="1"/>
           <p:nvPr/>
         </p:nvSpPr>
@@ -26784,7 +27071,7 @@
       </p:sp>
       <p:sp>
         <p:nvSpPr>
-          <p:cNvPr id="326" name="Google Shape;326;p36"/>
+          <p:cNvPr id="328" name="Google Shape;328;p36"/>
           <p:cNvSpPr/>
           <p:nvPr/>
         </p:nvSpPr>
@@ -26847,7 +27134,7 @@
       </p:sp>
       <p:cxnSp>
         <p:nvCxnSpPr>
-          <p:cNvPr id="327" name="Google Shape;327;p36"/>
+          <p:cNvPr id="329" name="Google Shape;329;p36"/>
           <p:cNvCxnSpPr/>
           <p:nvPr/>
         </p:nvCxnSpPr>
@@ -26873,7 +27160,7 @@
       </p:cxnSp>
       <p:cxnSp>
         <p:nvCxnSpPr>
-          <p:cNvPr id="328" name="Google Shape;328;p36"/>
+          <p:cNvPr id="330" name="Google Shape;330;p36"/>
           <p:cNvCxnSpPr/>
           <p:nvPr/>
         </p:nvCxnSpPr>
@@ -26910,7 +27197,7 @@
   <p:cSld>
     <p:spTree>
       <p:nvGrpSpPr>
-        <p:cNvPr id="333" name="Shape 333"/>
+        <p:cNvPr id="335" name="Shape 335"/>
         <p:cNvGrpSpPr/>
         <p:nvPr/>
       </p:nvGrpSpPr>
@@ -26924,7 +27211,7 @@
       </p:grpSpPr>
       <p:sp>
         <p:nvSpPr>
-          <p:cNvPr id="334" name="Google Shape;334;p37"/>
+          <p:cNvPr id="336" name="Google Shape;336;p37"/>
           <p:cNvSpPr txBox="1"/>
           <p:nvPr>
             <p:ph type="ctrTitle"/>
@@ -26964,7 +27251,7 @@
       </p:sp>
       <p:sp>
         <p:nvSpPr>
-          <p:cNvPr id="335" name="Google Shape;335;p37"/>
+          <p:cNvPr id="337" name="Google Shape;337;p37"/>
           <p:cNvSpPr txBox="1"/>
           <p:nvPr>
             <p:ph idx="12" type="sldNum"/>
@@ -27020,7 +27307,7 @@
   <p:cSld>
     <p:spTree>
       <p:nvGrpSpPr>
-        <p:cNvPr id="339" name="Shape 339"/>
+        <p:cNvPr id="341" name="Shape 341"/>
         <p:cNvGrpSpPr/>
         <p:nvPr/>
       </p:nvGrpSpPr>
@@ -27034,7 +27321,7 @@
       </p:grpSpPr>
       <p:sp>
         <p:nvSpPr>
-          <p:cNvPr id="340" name="Google Shape;340;p38"/>
+          <p:cNvPr id="342" name="Google Shape;342;p38"/>
           <p:cNvSpPr txBox="1"/>
           <p:nvPr>
             <p:ph type="title"/>
@@ -27090,7 +27377,7 @@
       </p:sp>
       <p:sp>
         <p:nvSpPr>
-          <p:cNvPr id="341" name="Google Shape;341;p38"/>
+          <p:cNvPr id="343" name="Google Shape;343;p38"/>
           <p:cNvSpPr txBox="1"/>
           <p:nvPr>
             <p:ph idx="1" type="body"/>
@@ -27230,7 +27517,7 @@
       </p:sp>
       <p:pic>
         <p:nvPicPr>
-          <p:cNvPr id="342" name="Google Shape;342;p38"/>
+          <p:cNvPr id="344" name="Google Shape;344;p38"/>
           <p:cNvPicPr preferRelativeResize="0"/>
           <p:nvPr/>
         </p:nvPicPr>
@@ -27257,7 +27544,7 @@
       </p:pic>
       <p:sp>
         <p:nvSpPr>
-          <p:cNvPr id="343" name="Google Shape;343;p38"/>
+          <p:cNvPr id="345" name="Google Shape;345;p38"/>
           <p:cNvSpPr txBox="1"/>
           <p:nvPr/>
         </p:nvSpPr>
@@ -28260,7 +28547,7 @@
       </p:sp>
       <p:sp>
         <p:nvSpPr>
-          <p:cNvPr id="344" name="Google Shape;344;p38"/>
+          <p:cNvPr id="346" name="Google Shape;346;p38"/>
           <p:cNvSpPr/>
           <p:nvPr/>
         </p:nvSpPr>
@@ -28334,7 +28621,7 @@
   <p:cSld>
     <p:spTree>
       <p:nvGrpSpPr>
-        <p:cNvPr id="348" name="Shape 348"/>
+        <p:cNvPr id="350" name="Shape 350"/>
         <p:cNvGrpSpPr/>
         <p:nvPr/>
       </p:nvGrpSpPr>
@@ -28348,7 +28635,7 @@
       </p:grpSpPr>
       <p:sp>
         <p:nvSpPr>
-          <p:cNvPr id="349" name="Google Shape;349;p39"/>
+          <p:cNvPr id="351" name="Google Shape;351;p39"/>
           <p:cNvSpPr txBox="1"/>
           <p:nvPr>
             <p:ph type="title"/>
@@ -28404,7 +28691,7 @@
       </p:sp>
       <p:sp>
         <p:nvSpPr>
-          <p:cNvPr id="350" name="Google Shape;350;p39"/>
+          <p:cNvPr id="352" name="Google Shape;352;p39"/>
           <p:cNvSpPr txBox="1"/>
           <p:nvPr>
             <p:ph idx="1" type="body"/>
@@ -28564,7 +28851,7 @@
       </p:sp>
       <p:pic>
         <p:nvPicPr>
-          <p:cNvPr id="351" name="Google Shape;351;p39"/>
+          <p:cNvPr id="353" name="Google Shape;353;p39"/>
           <p:cNvPicPr preferRelativeResize="0"/>
           <p:nvPr/>
         </p:nvPicPr>
@@ -28602,7 +28889,7 @@
   <p:cSld>
     <p:spTree>
       <p:nvGrpSpPr>
-        <p:cNvPr id="355" name="Shape 355"/>
+        <p:cNvPr id="357" name="Shape 357"/>
         <p:cNvGrpSpPr/>
         <p:nvPr/>
       </p:nvGrpSpPr>
@@ -28616,7 +28903,7 @@
       </p:grpSpPr>
       <p:sp>
         <p:nvSpPr>
-          <p:cNvPr id="356" name="Google Shape;356;p40"/>
+          <p:cNvPr id="358" name="Google Shape;358;p40"/>
           <p:cNvSpPr txBox="1"/>
           <p:nvPr>
             <p:ph type="title"/>
@@ -28672,7 +28959,7 @@
       </p:sp>
       <p:sp>
         <p:nvSpPr>
-          <p:cNvPr id="357" name="Google Shape;357;p40"/>
+          <p:cNvPr id="359" name="Google Shape;359;p40"/>
           <p:cNvSpPr txBox="1"/>
           <p:nvPr>
             <p:ph idx="1" type="body"/>
@@ -28826,7 +29113,7 @@
       </p:sp>
       <p:pic>
         <p:nvPicPr>
-          <p:cNvPr id="358" name="Google Shape;358;p40"/>
+          <p:cNvPr id="360" name="Google Shape;360;p40"/>
           <p:cNvPicPr preferRelativeResize="0"/>
           <p:nvPr/>
         </p:nvPicPr>
@@ -28853,7 +29140,7 @@
       </p:pic>
       <p:sp>
         <p:nvSpPr>
-          <p:cNvPr id="359" name="Google Shape;359;p40"/>
+          <p:cNvPr id="361" name="Google Shape;361;p40"/>
           <p:cNvSpPr/>
           <p:nvPr/>
         </p:nvSpPr>
@@ -28898,7 +29185,7 @@
       </p:sp>
       <p:sp>
         <p:nvSpPr>
-          <p:cNvPr id="360" name="Google Shape;360;p40"/>
+          <p:cNvPr id="362" name="Google Shape;362;p40"/>
           <p:cNvSpPr txBox="1"/>
           <p:nvPr/>
         </p:nvSpPr>
@@ -29903,7 +30190,7 @@
       </p:sp>
       <p:sp>
         <p:nvSpPr>
-          <p:cNvPr id="361" name="Google Shape;361;p40"/>
+          <p:cNvPr id="363" name="Google Shape;363;p40"/>
           <p:cNvSpPr txBox="1"/>
           <p:nvPr/>
         </p:nvSpPr>
@@ -30908,7 +31195,7 @@
       </p:sp>
       <p:sp>
         <p:nvSpPr>
-          <p:cNvPr id="362" name="Google Shape;362;p40"/>
+          <p:cNvPr id="364" name="Google Shape;364;p40"/>
           <p:cNvSpPr/>
           <p:nvPr/>
         </p:nvSpPr>
@@ -30971,7 +31258,7 @@
       </p:sp>
       <p:sp>
         <p:nvSpPr>
-          <p:cNvPr id="363" name="Google Shape;363;p40"/>
+          <p:cNvPr id="365" name="Google Shape;365;p40"/>
           <p:cNvSpPr/>
           <p:nvPr/>
         </p:nvSpPr>
@@ -31034,7 +31321,7 @@
       </p:sp>
       <p:cxnSp>
         <p:nvCxnSpPr>
-          <p:cNvPr id="364" name="Google Shape;364;p40"/>
+          <p:cNvPr id="366" name="Google Shape;366;p40"/>
           <p:cNvCxnSpPr/>
           <p:nvPr/>
         </p:nvCxnSpPr>
@@ -31060,7 +31347,7 @@
       </p:cxnSp>
       <p:cxnSp>
         <p:nvCxnSpPr>
-          <p:cNvPr id="365" name="Google Shape;365;p40"/>
+          <p:cNvPr id="367" name="Google Shape;367;p40"/>
           <p:cNvCxnSpPr/>
           <p:nvPr/>
         </p:nvCxnSpPr>
@@ -31086,7 +31373,7 @@
       </p:cxnSp>
       <p:sp>
         <p:nvSpPr>
-          <p:cNvPr id="366" name="Google Shape;366;p40"/>
+          <p:cNvPr id="368" name="Google Shape;368;p40"/>
           <p:cNvSpPr/>
           <p:nvPr/>
         </p:nvSpPr>
@@ -31131,7 +31418,7 @@
       </p:sp>
       <p:sp>
         <p:nvSpPr>
-          <p:cNvPr id="367" name="Google Shape;367;p40"/>
+          <p:cNvPr id="369" name="Google Shape;369;p40"/>
           <p:cNvSpPr/>
           <p:nvPr/>
         </p:nvSpPr>
@@ -31187,7 +31474,7 @@
   <p:cSld>
     <p:spTree>
       <p:nvGrpSpPr>
-        <p:cNvPr id="371" name="Shape 371"/>
+        <p:cNvPr id="373" name="Shape 373"/>
         <p:cNvGrpSpPr/>
         <p:nvPr/>
       </p:nvGrpSpPr>
@@ -31201,7 +31488,7 @@
       </p:grpSpPr>
       <p:sp>
         <p:nvSpPr>
-          <p:cNvPr id="372" name="Google Shape;372;p41"/>
+          <p:cNvPr id="374" name="Google Shape;374;p41"/>
           <p:cNvSpPr txBox="1"/>
           <p:nvPr>
             <p:ph type="title"/>
@@ -31257,7 +31544,7 @@
       </p:sp>
       <p:sp>
         <p:nvSpPr>
-          <p:cNvPr id="373" name="Google Shape;373;p41"/>
+          <p:cNvPr id="375" name="Google Shape;375;p41"/>
           <p:cNvSpPr txBox="1"/>
           <p:nvPr>
             <p:ph idx="1" type="body"/>
@@ -31412,7 +31699,7 @@
       </p:sp>
       <p:pic>
         <p:nvPicPr>
-          <p:cNvPr id="374" name="Google Shape;374;p41"/>
+          <p:cNvPr id="376" name="Google Shape;376;p41"/>
           <p:cNvPicPr preferRelativeResize="0"/>
           <p:nvPr/>
         </p:nvPicPr>
@@ -31439,7 +31726,7 @@
       </p:pic>
       <p:sp>
         <p:nvSpPr>
-          <p:cNvPr id="375" name="Google Shape;375;p41"/>
+          <p:cNvPr id="377" name="Google Shape;377;p41"/>
           <p:cNvSpPr txBox="1"/>
           <p:nvPr/>
         </p:nvSpPr>
@@ -32382,7 +32669,7 @@
       </p:sp>
       <p:sp>
         <p:nvSpPr>
-          <p:cNvPr id="376" name="Google Shape;376;p41"/>
+          <p:cNvPr id="378" name="Google Shape;378;p41"/>
           <p:cNvSpPr/>
           <p:nvPr/>
         </p:nvSpPr>
@@ -32445,7 +32732,7 @@
       </p:sp>
       <p:sp>
         <p:nvSpPr>
-          <p:cNvPr id="377" name="Google Shape;377;p41"/>
+          <p:cNvPr id="379" name="Google Shape;379;p41"/>
           <p:cNvSpPr txBox="1"/>
           <p:nvPr/>
         </p:nvSpPr>
@@ -33397,7 +33684,7 @@
       </p:sp>
       <p:sp>
         <p:nvSpPr>
-          <p:cNvPr id="378" name="Google Shape;378;p41"/>
+          <p:cNvPr id="380" name="Google Shape;380;p41"/>
           <p:cNvSpPr/>
           <p:nvPr/>
         </p:nvSpPr>
@@ -33460,7 +33747,7 @@
       </p:sp>
       <p:sp>
         <p:nvSpPr>
-          <p:cNvPr id="379" name="Google Shape;379;p41"/>
+          <p:cNvPr id="381" name="Google Shape;381;p41"/>
           <p:cNvSpPr/>
           <p:nvPr/>
         </p:nvSpPr>
@@ -33518,7 +33805,7 @@
   <p:cSld>
     <p:spTree>
       <p:nvGrpSpPr>
-        <p:cNvPr id="384" name="Shape 384"/>
+        <p:cNvPr id="386" name="Shape 386"/>
         <p:cNvGrpSpPr/>
         <p:nvPr/>
       </p:nvGrpSpPr>
@@ -33532,7 +33819,7 @@
       </p:grpSpPr>
       <p:sp>
         <p:nvSpPr>
-          <p:cNvPr id="385" name="Google Shape;385;p42"/>
+          <p:cNvPr id="387" name="Google Shape;387;p42"/>
           <p:cNvSpPr txBox="1"/>
           <p:nvPr>
             <p:ph type="ctrTitle"/>
@@ -33572,7 +33859,7 @@
       </p:sp>
       <p:sp>
         <p:nvSpPr>
-          <p:cNvPr id="386" name="Google Shape;386;p42"/>
+          <p:cNvPr id="388" name="Google Shape;388;p42"/>
           <p:cNvSpPr txBox="1"/>
           <p:nvPr>
             <p:ph idx="12" type="sldNum"/>
@@ -33628,7 +33915,7 @@
   <p:cSld>
     <p:spTree>
       <p:nvGrpSpPr>
-        <p:cNvPr id="391" name="Shape 391"/>
+        <p:cNvPr id="393" name="Shape 393"/>
         <p:cNvGrpSpPr/>
         <p:nvPr/>
       </p:nvGrpSpPr>
@@ -33642,7 +33929,7 @@
       </p:grpSpPr>
       <p:pic>
         <p:nvPicPr>
-          <p:cNvPr id="392" name="Google Shape;392;p43"/>
+          <p:cNvPr id="394" name="Google Shape;394;p43"/>
           <p:cNvPicPr preferRelativeResize="0"/>
           <p:nvPr/>
         </p:nvPicPr>
@@ -33669,7 +33956,7 @@
       </p:pic>
       <p:sp>
         <p:nvSpPr>
-          <p:cNvPr id="393" name="Google Shape;393;p43"/>
+          <p:cNvPr id="395" name="Google Shape;395;p43"/>
           <p:cNvSpPr/>
           <p:nvPr/>
         </p:nvSpPr>
@@ -33714,7 +34001,7 @@
       </p:sp>
       <p:sp>
         <p:nvSpPr>
-          <p:cNvPr id="394" name="Google Shape;394;p43"/>
+          <p:cNvPr id="396" name="Google Shape;396;p43"/>
           <p:cNvSpPr txBox="1"/>
           <p:nvPr>
             <p:ph type="title"/>
@@ -33770,7 +34057,7 @@
       </p:sp>
       <p:sp>
         <p:nvSpPr>
-          <p:cNvPr id="395" name="Google Shape;395;p43"/>
+          <p:cNvPr id="397" name="Google Shape;397;p43"/>
           <p:cNvSpPr txBox="1"/>
           <p:nvPr>
             <p:ph idx="1" type="body"/>
@@ -34115,7 +34402,7 @@
       </p:sp>
       <p:sp>
         <p:nvSpPr>
-          <p:cNvPr id="396" name="Google Shape;396;p43"/>
+          <p:cNvPr id="398" name="Google Shape;398;p43"/>
           <p:cNvSpPr txBox="1"/>
           <p:nvPr>
             <p:ph idx="12" type="sldNum"/>
@@ -34155,7 +34442,7 @@
       </p:sp>
       <p:sp>
         <p:nvSpPr>
-          <p:cNvPr id="397" name="Google Shape;397;p43"/>
+          <p:cNvPr id="399" name="Google Shape;399;p43"/>
           <p:cNvSpPr/>
           <p:nvPr/>
         </p:nvSpPr>
@@ -34200,7 +34487,7 @@
       </p:sp>
       <p:pic>
         <p:nvPicPr>
-          <p:cNvPr id="398" name="Google Shape;398;p43"/>
+          <p:cNvPr id="400" name="Google Shape;400;p43"/>
           <p:cNvPicPr preferRelativeResize="0"/>
           <p:nvPr/>
         </p:nvPicPr>
@@ -34228,7 +34515,7 @@
       </p:pic>
       <p:sp>
         <p:nvSpPr>
-          <p:cNvPr id="399" name="Google Shape;399;p43"/>
+          <p:cNvPr id="401" name="Google Shape;401;p43"/>
           <p:cNvSpPr txBox="1"/>
           <p:nvPr/>
         </p:nvSpPr>
@@ -34616,7 +34903,7 @@
       </p:sp>
       <p:graphicFrame>
         <p:nvGraphicFramePr>
-          <p:cNvPr id="400" name="Google Shape;400;p43"/>
+          <p:cNvPr id="402" name="Google Shape;402;p43"/>
           <p:cNvGraphicFramePr/>
           <p:nvPr/>
         </p:nvGraphicFramePr>
@@ -34629,7 +34916,7 @@
             <a:tbl>
               <a:tblPr>
                 <a:noFill/>
-                <a:tableStyleId>{72205870-D894-475A-8B70-E338D9D60E8B}</a:tableStyleId>
+                <a:tableStyleId>{1F5ACEB0-E550-4EF2-BBE1-2C0569F9979C}</a:tableStyleId>
               </a:tblPr>
               <a:tblGrid>
                 <a:gridCol w="1815550"/>
@@ -35366,21 +35653,15 @@
                       <a:r>
                         <a:rPr lang="en-GB" sz="900" u="sng">
                           <a:solidFill>
-                            <a:srgbClr val="1155CC"/>
+                            <a:schemeClr val="hlink"/>
                           </a:solidFill>
                           <a:latin typeface="Inter"/>
                           <a:ea typeface="Inter"/>
                           <a:cs typeface="Inter"/>
                           <a:sym typeface="Inter"/>
-                          <a:hlinkClick r:id="rId16">
-                            <a:extLst>
-                              <a:ext uri="{A12FA001-AC4F-418D-AE19-62706E023703}">
-                                <ahyp:hlinkClr val="tx"/>
-                              </a:ext>
-                            </a:extLst>
-                          </a:hlinkClick>
+                          <a:hlinkClick r:id="rId16"/>
                         </a:rPr>
-                        <a:t>fiware/biz-ecosystem-logic-proxy:v7.9.0-rc1</a:t>
+                        <a:t>fiware/biz-ecosystem-logic-proxy:v7.9.0-rc2</a:t>
                       </a:r>
                       <a:endParaRPr sz="900">
                         <a:latin typeface="Inter"/>
@@ -35436,7 +35717,7 @@
       </p:graphicFrame>
       <p:sp>
         <p:nvSpPr>
-          <p:cNvPr id="401" name="Google Shape;401;p43"/>
+          <p:cNvPr id="403" name="Google Shape;403;p43"/>
           <p:cNvSpPr/>
           <p:nvPr/>
         </p:nvSpPr>
@@ -35483,9 +35764,9 @@
       </p:sp>
       <p:cxnSp>
         <p:nvCxnSpPr>
-          <p:cNvPr id="402" name="Google Shape;402;p43"/>
+          <p:cNvPr id="404" name="Google Shape;404;p43"/>
           <p:cNvCxnSpPr>
-            <a:stCxn id="401" idx="5"/>
+            <a:stCxn id="403" idx="5"/>
           </p:cNvCxnSpPr>
           <p:nvPr/>
         </p:nvCxnSpPr>
@@ -35511,7 +35792,7 @@
       </p:cxnSp>
       <p:sp>
         <p:nvSpPr>
-          <p:cNvPr id="403" name="Google Shape;403;p43"/>
+          <p:cNvPr id="405" name="Google Shape;405;p43"/>
           <p:cNvSpPr txBox="1"/>
           <p:nvPr/>
         </p:nvSpPr>
@@ -35634,7 +35915,7 @@
   <p:cSld>
     <p:spTree>
       <p:nvGrpSpPr>
-        <p:cNvPr id="408" name="Shape 408"/>
+        <p:cNvPr id="410" name="Shape 410"/>
         <p:cNvGrpSpPr/>
         <p:nvPr/>
       </p:nvGrpSpPr>
@@ -35648,7 +35929,7 @@
       </p:grpSpPr>
       <p:sp>
         <p:nvSpPr>
-          <p:cNvPr id="409" name="Google Shape;409;p44"/>
+          <p:cNvPr id="411" name="Google Shape;411;p44"/>
           <p:cNvSpPr txBox="1"/>
           <p:nvPr>
             <p:ph type="title"/>
@@ -35704,7 +35985,7 @@
       </p:sp>
       <p:sp>
         <p:nvSpPr>
-          <p:cNvPr id="410" name="Google Shape;410;p44"/>
+          <p:cNvPr id="412" name="Google Shape;412;p44"/>
           <p:cNvSpPr txBox="1"/>
           <p:nvPr>
             <p:ph idx="1" type="body"/>
@@ -35936,7 +36217,7 @@
                 </a:solidFill>
                 <a:hlinkClick r:id="rId6"/>
               </a:rPr>
-              <a:t>https://github.com/aarranz/fiware-idm/tree/i4trust</a:t>
+              <a:t>https://github.com/i4Trust/fiware-idm/tree/i4trust</a:t>
             </a:r>
             <a:endParaRPr sz="1400"/>
           </a:p>
@@ -35975,7 +36256,7 @@
       </p:sp>
       <p:sp>
         <p:nvSpPr>
-          <p:cNvPr id="411" name="Google Shape;411;p44"/>
+          <p:cNvPr id="413" name="Google Shape;413;p44"/>
           <p:cNvSpPr txBox="1"/>
           <p:nvPr>
             <p:ph idx="12" type="sldNum"/>
@@ -36020,7 +36301,7 @@
       </p:sp>
       <p:pic>
         <p:nvPicPr>
-          <p:cNvPr id="412" name="Google Shape;412;p44"/>
+          <p:cNvPr id="414" name="Google Shape;414;p44"/>
           <p:cNvPicPr preferRelativeResize="0"/>
           <p:nvPr/>
         </p:nvPicPr>
@@ -36048,7 +36329,7 @@
       </p:pic>
       <p:sp>
         <p:nvSpPr>
-          <p:cNvPr id="413" name="Google Shape;413;p44"/>
+          <p:cNvPr id="415" name="Google Shape;415;p44"/>
           <p:cNvSpPr txBox="1"/>
           <p:nvPr/>
         </p:nvSpPr>
@@ -36138,7 +36419,7 @@
       </p:sp>
       <p:graphicFrame>
         <p:nvGraphicFramePr>
-          <p:cNvPr id="414" name="Google Shape;414;p44"/>
+          <p:cNvPr id="416" name="Google Shape;416;p44"/>
           <p:cNvGraphicFramePr/>
           <p:nvPr/>
         </p:nvGraphicFramePr>
@@ -36151,7 +36432,7 @@
             <a:tbl>
               <a:tblPr>
                 <a:noFill/>
-                <a:tableStyleId>{72205870-D894-475A-8B70-E338D9D60E8B}</a:tableStyleId>
+                <a:tableStyleId>{1F5ACEB0-E550-4EF2-BBE1-2C0569F9979C}</a:tableStyleId>
               </a:tblPr>
               <a:tblGrid>
                 <a:gridCol w="2015050"/>
@@ -36405,21 +36686,15 @@
                       <a:r>
                         <a:rPr lang="en-GB" sz="900" u="sng">
                           <a:solidFill>
-                            <a:srgbClr val="1155CC"/>
+                            <a:schemeClr val="hlink"/>
                           </a:solidFill>
                           <a:latin typeface="Inter"/>
                           <a:ea typeface="Inter"/>
                           <a:cs typeface="Inter"/>
                           <a:sym typeface="Inter"/>
-                          <a:hlinkClick r:id="rId8">
-                            <a:extLst>
-                              <a:ext uri="{A12FA001-AC4F-418D-AE19-62706E023703}">
-                                <ahyp:hlinkClr val="tx"/>
-                              </a:ext>
-                            </a:extLst>
-                          </a:hlinkClick>
+                          <a:hlinkClick r:id="rId8"/>
                         </a:rPr>
-                        <a:t>dwendland/idm:i4trust-rc2</a:t>
+                        <a:t>fiware/idm:i4trust-rc3</a:t>
                       </a:r>
                       <a:endParaRPr sz="900">
                         <a:latin typeface="Inter"/>
@@ -36478,7 +36753,7 @@
       </p:graphicFrame>
       <p:sp>
         <p:nvSpPr>
-          <p:cNvPr id="415" name="Google Shape;415;p44"/>
+          <p:cNvPr id="417" name="Google Shape;417;p44"/>
           <p:cNvSpPr/>
           <p:nvPr/>
         </p:nvSpPr>
@@ -36525,7 +36800,7 @@
       </p:sp>
       <p:sp>
         <p:nvSpPr>
-          <p:cNvPr id="416" name="Google Shape;416;p44"/>
+          <p:cNvPr id="418" name="Google Shape;418;p44"/>
           <p:cNvSpPr/>
           <p:nvPr/>
         </p:nvSpPr>
@@ -36572,7 +36847,7 @@
       </p:sp>
       <p:sp>
         <p:nvSpPr>
-          <p:cNvPr id="417" name="Google Shape;417;p44"/>
+          <p:cNvPr id="419" name="Google Shape;419;p44"/>
           <p:cNvSpPr/>
           <p:nvPr/>
         </p:nvSpPr>
@@ -36740,7 +37015,7 @@
   <p:cSld>
     <p:spTree>
       <p:nvGrpSpPr>
-        <p:cNvPr id="422" name="Shape 422"/>
+        <p:cNvPr id="424" name="Shape 424"/>
         <p:cNvGrpSpPr/>
         <p:nvPr/>
       </p:nvGrpSpPr>
@@ -36754,7 +37029,7 @@
       </p:grpSpPr>
       <p:sp>
         <p:nvSpPr>
-          <p:cNvPr id="423" name="Google Shape;423;p45"/>
+          <p:cNvPr id="425" name="Google Shape;425;p45"/>
           <p:cNvSpPr txBox="1"/>
           <p:nvPr>
             <p:ph type="title"/>
@@ -36814,7 +37089,7 @@
       </p:sp>
       <p:sp>
         <p:nvSpPr>
-          <p:cNvPr id="424" name="Google Shape;424;p45"/>
+          <p:cNvPr id="426" name="Google Shape;426;p45"/>
           <p:cNvSpPr txBox="1"/>
           <p:nvPr>
             <p:ph idx="1" type="body"/>
@@ -37029,7 +37304,7 @@
       </p:sp>
       <p:sp>
         <p:nvSpPr>
-          <p:cNvPr id="425" name="Google Shape;425;p45"/>
+          <p:cNvPr id="427" name="Google Shape;427;p45"/>
           <p:cNvSpPr txBox="1"/>
           <p:nvPr>
             <p:ph idx="12" type="sldNum"/>
@@ -37069,7 +37344,7 @@
       </p:sp>
       <p:pic>
         <p:nvPicPr>
-          <p:cNvPr id="426" name="Google Shape;426;p45"/>
+          <p:cNvPr id="428" name="Google Shape;428;p45"/>
           <p:cNvPicPr preferRelativeResize="0"/>
           <p:nvPr/>
         </p:nvPicPr>
@@ -37097,7 +37372,7 @@
       </p:pic>
       <p:sp>
         <p:nvSpPr>
-          <p:cNvPr id="427" name="Google Shape;427;p45"/>
+          <p:cNvPr id="429" name="Google Shape;429;p45"/>
           <p:cNvSpPr/>
           <p:nvPr/>
         </p:nvSpPr>
@@ -37144,7 +37419,7 @@
       </p:sp>
       <p:sp>
         <p:nvSpPr>
-          <p:cNvPr id="428" name="Google Shape;428;p45"/>
+          <p:cNvPr id="430" name="Google Shape;430;p45"/>
           <p:cNvSpPr txBox="1"/>
           <p:nvPr/>
         </p:nvSpPr>
@@ -37253,7 +37528,7 @@
       </p:sp>
       <p:graphicFrame>
         <p:nvGraphicFramePr>
-          <p:cNvPr id="429" name="Google Shape;429;p45"/>
+          <p:cNvPr id="431" name="Google Shape;431;p45"/>
           <p:cNvGraphicFramePr/>
           <p:nvPr/>
         </p:nvGraphicFramePr>
@@ -37266,7 +37541,7 @@
             <a:tbl>
               <a:tblPr>
                 <a:noFill/>
-                <a:tableStyleId>{72205870-D894-475A-8B70-E338D9D60E8B}</a:tableStyleId>
+                <a:tableStyleId>{1F5ACEB0-E550-4EF2-BBE1-2C0569F9979C}</a:tableStyleId>
               </a:tblPr>
               <a:tblGrid>
                 <a:gridCol w="2015050"/>
@@ -37595,7 +37870,7 @@
   <p:cSld>
     <p:spTree>
       <p:nvGrpSpPr>
-        <p:cNvPr id="434" name="Shape 434"/>
+        <p:cNvPr id="436" name="Shape 436"/>
         <p:cNvGrpSpPr/>
         <p:nvPr/>
       </p:nvGrpSpPr>
@@ -37609,7 +37884,7 @@
       </p:grpSpPr>
       <p:sp>
         <p:nvSpPr>
-          <p:cNvPr id="435" name="Google Shape;435;p46"/>
+          <p:cNvPr id="437" name="Google Shape;437;p46"/>
           <p:cNvSpPr txBox="1"/>
           <p:nvPr>
             <p:ph type="title"/>
@@ -37669,7 +37944,7 @@
       </p:sp>
       <p:sp>
         <p:nvSpPr>
-          <p:cNvPr id="436" name="Google Shape;436;p46"/>
+          <p:cNvPr id="438" name="Google Shape;438;p46"/>
           <p:cNvSpPr txBox="1"/>
           <p:nvPr>
             <p:ph idx="1" type="body"/>
@@ -37762,7 +38037,7 @@
             </a:pPr>
             <a:r>
               <a:rPr lang="en-GB" sz="1400"/>
-              <a:t>API Umbrella requires MongoDB database, can use the one previously deployed</a:t>
+              <a:t>API Umbrella requires MongoDB database and elasticsearch, can use the ones previously deployed</a:t>
             </a:r>
             <a:endParaRPr sz="1400"/>
           </a:p>
@@ -37903,7 +38178,7 @@
       </p:sp>
       <p:sp>
         <p:nvSpPr>
-          <p:cNvPr id="437" name="Google Shape;437;p46"/>
+          <p:cNvPr id="439" name="Google Shape;439;p46"/>
           <p:cNvSpPr txBox="1"/>
           <p:nvPr>
             <p:ph idx="12" type="sldNum"/>
@@ -37943,7 +38218,7 @@
       </p:sp>
       <p:pic>
         <p:nvPicPr>
-          <p:cNvPr id="438" name="Google Shape;438;p46"/>
+          <p:cNvPr id="440" name="Google Shape;440;p46"/>
           <p:cNvPicPr preferRelativeResize="0"/>
           <p:nvPr/>
         </p:nvPicPr>
@@ -37971,7 +38246,7 @@
       </p:pic>
       <p:sp>
         <p:nvSpPr>
-          <p:cNvPr id="439" name="Google Shape;439;p46"/>
+          <p:cNvPr id="441" name="Google Shape;441;p46"/>
           <p:cNvSpPr/>
           <p:nvPr/>
         </p:nvSpPr>
@@ -38018,7 +38293,7 @@
       </p:sp>
       <p:sp>
         <p:nvSpPr>
-          <p:cNvPr id="440" name="Google Shape;440;p46"/>
+          <p:cNvPr id="442" name="Google Shape;442;p46"/>
           <p:cNvSpPr txBox="1"/>
           <p:nvPr/>
         </p:nvSpPr>
@@ -38079,7 +38354,7 @@
       </p:sp>
       <p:graphicFrame>
         <p:nvGraphicFramePr>
-          <p:cNvPr id="441" name="Google Shape;441;p46"/>
+          <p:cNvPr id="443" name="Google Shape;443;p46"/>
           <p:cNvGraphicFramePr/>
           <p:nvPr/>
         </p:nvGraphicFramePr>
@@ -38092,7 +38367,7 @@
             <a:tbl>
               <a:tblPr>
                 <a:noFill/>
-                <a:tableStyleId>{72205870-D894-475A-8B70-E338D9D60E8B}</a:tableStyleId>
+                <a:tableStyleId>{1F5ACEB0-E550-4EF2-BBE1-2C0569F9979C}</a:tableStyleId>
               </a:tblPr>
               <a:tblGrid>
                 <a:gridCol w="2015050"/>
@@ -38418,7 +38693,7 @@
   <p:cSld>
     <p:spTree>
       <p:nvGrpSpPr>
-        <p:cNvPr id="446" name="Shape 446"/>
+        <p:cNvPr id="448" name="Shape 448"/>
         <p:cNvGrpSpPr/>
         <p:nvPr/>
       </p:nvGrpSpPr>
@@ -38432,7 +38707,7 @@
       </p:grpSpPr>
       <p:sp>
         <p:nvSpPr>
-          <p:cNvPr id="447" name="Google Shape;447;p47"/>
+          <p:cNvPr id="449" name="Google Shape;449;p47"/>
           <p:cNvSpPr txBox="1"/>
           <p:nvPr>
             <p:ph type="title"/>
@@ -38488,7 +38763,7 @@
       </p:sp>
       <p:sp>
         <p:nvSpPr>
-          <p:cNvPr id="448" name="Google Shape;448;p47"/>
+          <p:cNvPr id="450" name="Google Shape;450;p47"/>
           <p:cNvSpPr txBox="1"/>
           <p:nvPr>
             <p:ph idx="1" type="body"/>
@@ -38548,7 +38823,7 @@
       </p:sp>
       <p:sp>
         <p:nvSpPr>
-          <p:cNvPr id="449" name="Google Shape;449;p47"/>
+          <p:cNvPr id="451" name="Google Shape;451;p47"/>
           <p:cNvSpPr txBox="1"/>
           <p:nvPr>
             <p:ph idx="12" type="sldNum"/>
@@ -38588,7 +38863,7 @@
       </p:sp>
       <p:pic>
         <p:nvPicPr>
-          <p:cNvPr id="450" name="Google Shape;450;p47"/>
+          <p:cNvPr id="452" name="Google Shape;452;p47"/>
           <p:cNvPicPr preferRelativeResize="0"/>
           <p:nvPr/>
         </p:nvPicPr>
@@ -38616,7 +38891,7 @@
       </p:pic>
       <p:sp>
         <p:nvSpPr>
-          <p:cNvPr id="451" name="Google Shape;451;p47"/>
+          <p:cNvPr id="453" name="Google Shape;453;p47"/>
           <p:cNvSpPr/>
           <p:nvPr/>
         </p:nvSpPr>
@@ -38663,7 +38938,7 @@
       </p:sp>
       <p:sp>
         <p:nvSpPr>
-          <p:cNvPr id="452" name="Google Shape;452;p47"/>
+          <p:cNvPr id="454" name="Google Shape;454;p47"/>
           <p:cNvSpPr/>
           <p:nvPr/>
         </p:nvSpPr>
@@ -38708,7 +38983,7 @@
       </p:sp>
       <p:pic>
         <p:nvPicPr>
-          <p:cNvPr id="453" name="Google Shape;453;p47"/>
+          <p:cNvPr id="455" name="Google Shape;455;p47"/>
           <p:cNvPicPr preferRelativeResize="0"/>
           <p:nvPr/>
         </p:nvPicPr>
@@ -38736,7 +39011,7 @@
       </p:pic>
       <p:pic>
         <p:nvPicPr>
-          <p:cNvPr id="454" name="Google Shape;454;p47"/>
+          <p:cNvPr id="456" name="Google Shape;456;p47"/>
           <p:cNvPicPr preferRelativeResize="0"/>
           <p:nvPr/>
         </p:nvPicPr>
@@ -38764,7 +39039,7 @@
       </p:pic>
       <p:sp>
         <p:nvSpPr>
-          <p:cNvPr id="455" name="Google Shape;455;p47"/>
+          <p:cNvPr id="457" name="Google Shape;457;p47"/>
           <p:cNvSpPr txBox="1"/>
           <p:nvPr/>
         </p:nvSpPr>
@@ -38968,7 +39243,7 @@
       </p:sp>
       <p:cxnSp>
         <p:nvCxnSpPr>
-          <p:cNvPr id="456" name="Google Shape;456;p47"/>
+          <p:cNvPr id="458" name="Google Shape;458;p47"/>
           <p:cNvCxnSpPr/>
           <p:nvPr/>
         </p:nvCxnSpPr>
@@ -38994,7 +39269,7 @@
       </p:cxnSp>
       <p:cxnSp>
         <p:nvCxnSpPr>
-          <p:cNvPr id="457" name="Google Shape;457;p47"/>
+          <p:cNvPr id="459" name="Google Shape;459;p47"/>
           <p:cNvCxnSpPr/>
           <p:nvPr/>
         </p:nvCxnSpPr>
@@ -39020,7 +39295,7 @@
       </p:cxnSp>
       <p:cxnSp>
         <p:nvCxnSpPr>
-          <p:cNvPr id="458" name="Google Shape;458;p47"/>
+          <p:cNvPr id="460" name="Google Shape;460;p47"/>
           <p:cNvCxnSpPr/>
           <p:nvPr/>
         </p:nvCxnSpPr>
@@ -39046,7 +39321,7 @@
       </p:cxnSp>
       <p:cxnSp>
         <p:nvCxnSpPr>
-          <p:cNvPr id="459" name="Google Shape;459;p47"/>
+          <p:cNvPr id="461" name="Google Shape;461;p47"/>
           <p:cNvCxnSpPr/>
           <p:nvPr/>
         </p:nvCxnSpPr>
@@ -39072,7 +39347,7 @@
       </p:cxnSp>
       <p:cxnSp>
         <p:nvCxnSpPr>
-          <p:cNvPr id="460" name="Google Shape;460;p47"/>
+          <p:cNvPr id="462" name="Google Shape;462;p47"/>
           <p:cNvCxnSpPr/>
           <p:nvPr/>
         </p:nvCxnSpPr>
@@ -39098,7 +39373,7 @@
       </p:cxnSp>
       <p:cxnSp>
         <p:nvCxnSpPr>
-          <p:cNvPr id="461" name="Google Shape;461;p47"/>
+          <p:cNvPr id="463" name="Google Shape;463;p47"/>
           <p:cNvCxnSpPr/>
           <p:nvPr/>
         </p:nvCxnSpPr>
@@ -39135,7 +39410,7 @@
   <p:cSld>
     <p:spTree>
       <p:nvGrpSpPr>
-        <p:cNvPr id="466" name="Shape 466"/>
+        <p:cNvPr id="468" name="Shape 468"/>
         <p:cNvGrpSpPr/>
         <p:nvPr/>
       </p:nvGrpSpPr>
@@ -39149,7 +39424,7 @@
       </p:grpSpPr>
       <p:sp>
         <p:nvSpPr>
-          <p:cNvPr id="467" name="Google Shape;467;p48"/>
+          <p:cNvPr id="469" name="Google Shape;469;p48"/>
           <p:cNvSpPr txBox="1"/>
           <p:nvPr>
             <p:ph type="title"/>
@@ -39205,7 +39480,7 @@
       </p:sp>
       <p:sp>
         <p:nvSpPr>
-          <p:cNvPr id="468" name="Google Shape;468;p48"/>
+          <p:cNvPr id="470" name="Google Shape;470;p48"/>
           <p:cNvSpPr txBox="1"/>
           <p:nvPr>
             <p:ph idx="1" type="body"/>
@@ -39447,7 +39722,7 @@
       </p:sp>
       <p:sp>
         <p:nvSpPr>
-          <p:cNvPr id="469" name="Google Shape;469;p48"/>
+          <p:cNvPr id="471" name="Google Shape;471;p48"/>
           <p:cNvSpPr txBox="1"/>
           <p:nvPr>
             <p:ph idx="12" type="sldNum"/>
@@ -39487,7 +39762,7 @@
       </p:sp>
       <p:pic>
         <p:nvPicPr>
-          <p:cNvPr id="470" name="Google Shape;470;p48"/>
+          <p:cNvPr id="472" name="Google Shape;472;p48"/>
           <p:cNvPicPr preferRelativeResize="0"/>
           <p:nvPr/>
         </p:nvPicPr>
@@ -39515,7 +39790,7 @@
       </p:pic>
       <p:sp>
         <p:nvSpPr>
-          <p:cNvPr id="471" name="Google Shape;471;p48"/>
+          <p:cNvPr id="473" name="Google Shape;473;p48"/>
           <p:cNvSpPr/>
           <p:nvPr/>
         </p:nvSpPr>
@@ -39562,7 +39837,7 @@
       </p:sp>
       <p:sp>
         <p:nvSpPr>
-          <p:cNvPr id="472" name="Google Shape;472;p48"/>
+          <p:cNvPr id="474" name="Google Shape;474;p48"/>
           <p:cNvSpPr/>
           <p:nvPr/>
         </p:nvSpPr>
@@ -39609,7 +39884,7 @@
       </p:sp>
       <p:sp>
         <p:nvSpPr>
-          <p:cNvPr id="473" name="Google Shape;473;p48"/>
+          <p:cNvPr id="475" name="Google Shape;475;p48"/>
           <p:cNvSpPr txBox="1"/>
           <p:nvPr/>
         </p:nvSpPr>
@@ -39741,7 +40016,7 @@
       </p:sp>
       <p:graphicFrame>
         <p:nvGraphicFramePr>
-          <p:cNvPr id="474" name="Google Shape;474;p48"/>
+          <p:cNvPr id="476" name="Google Shape;476;p48"/>
           <p:cNvGraphicFramePr/>
           <p:nvPr/>
         </p:nvGraphicFramePr>
@@ -39754,7 +40029,7 @@
             <a:tbl>
               <a:tblPr>
                 <a:noFill/>
-                <a:tableStyleId>{72205870-D894-475A-8B70-E338D9D60E8B}</a:tableStyleId>
+                <a:tableStyleId>{1F5ACEB0-E550-4EF2-BBE1-2C0569F9979C}</a:tableStyleId>
               </a:tblPr>
               <a:tblGrid>
                 <a:gridCol w="2015050"/>
@@ -40247,7 +40522,7 @@
   <p:cSld>
     <p:spTree>
       <p:nvGrpSpPr>
-        <p:cNvPr id="479" name="Shape 479"/>
+        <p:cNvPr id="481" name="Shape 481"/>
         <p:cNvGrpSpPr/>
         <p:nvPr/>
       </p:nvGrpSpPr>
@@ -40261,7 +40536,7 @@
       </p:grpSpPr>
       <p:sp>
         <p:nvSpPr>
-          <p:cNvPr id="480" name="Google Shape;480;p49"/>
+          <p:cNvPr id="482" name="Google Shape;482;p49"/>
           <p:cNvSpPr txBox="1"/>
           <p:nvPr>
             <p:ph type="title"/>
@@ -40317,7 +40592,7 @@
       </p:sp>
       <p:sp>
         <p:nvSpPr>
-          <p:cNvPr id="481" name="Google Shape;481;p49"/>
+          <p:cNvPr id="483" name="Google Shape;483;p49"/>
           <p:cNvSpPr txBox="1"/>
           <p:nvPr>
             <p:ph idx="1" type="body"/>
@@ -40633,7 +40908,7 @@
       </p:sp>
       <p:sp>
         <p:nvSpPr>
-          <p:cNvPr id="482" name="Google Shape;482;p49"/>
+          <p:cNvPr id="484" name="Google Shape;484;p49"/>
           <p:cNvSpPr txBox="1"/>
           <p:nvPr>
             <p:ph idx="12" type="sldNum"/>
@@ -40673,7 +40948,7 @@
       </p:sp>
       <p:pic>
         <p:nvPicPr>
-          <p:cNvPr id="483" name="Google Shape;483;p49"/>
+          <p:cNvPr id="485" name="Google Shape;485;p49"/>
           <p:cNvPicPr preferRelativeResize="0"/>
           <p:nvPr/>
         </p:nvPicPr>
@@ -40701,7 +40976,7 @@
       </p:pic>
       <p:sp>
         <p:nvSpPr>
-          <p:cNvPr id="484" name="Google Shape;484;p49"/>
+          <p:cNvPr id="486" name="Google Shape;486;p49"/>
           <p:cNvSpPr/>
           <p:nvPr/>
         </p:nvSpPr>
@@ -40748,7 +41023,7 @@
       </p:sp>
       <p:sp>
         <p:nvSpPr>
-          <p:cNvPr id="485" name="Google Shape;485;p49"/>
+          <p:cNvPr id="487" name="Google Shape;487;p49"/>
           <p:cNvSpPr/>
           <p:nvPr/>
         </p:nvSpPr>
@@ -40795,7 +41070,7 @@
       </p:sp>
       <p:sp>
         <p:nvSpPr>
-          <p:cNvPr id="486" name="Google Shape;486;p49"/>
+          <p:cNvPr id="488" name="Google Shape;488;p49"/>
           <p:cNvSpPr/>
           <p:nvPr/>
         </p:nvSpPr>
@@ -40842,7 +41117,7 @@
       </p:sp>
       <p:sp>
         <p:nvSpPr>
-          <p:cNvPr id="487" name="Google Shape;487;p49"/>
+          <p:cNvPr id="489" name="Google Shape;489;p49"/>
           <p:cNvSpPr/>
           <p:nvPr/>
         </p:nvSpPr>
@@ -40900,7 +41175,7 @@
   <p:cSld>
     <p:spTree>
       <p:nvGrpSpPr>
-        <p:cNvPr id="492" name="Shape 492"/>
+        <p:cNvPr id="494" name="Shape 494"/>
         <p:cNvGrpSpPr/>
         <p:nvPr/>
       </p:nvGrpSpPr>
@@ -40914,7 +41189,315 @@
       </p:grpSpPr>
       <p:sp>
         <p:nvSpPr>
-          <p:cNvPr id="493" name="Google Shape;493;p50"/>
+          <p:cNvPr id="495" name="Google Shape;495;p50"/>
+          <p:cNvSpPr txBox="1"/>
+          <p:nvPr>
+            <p:ph type="title"/>
+          </p:nvPr>
+        </p:nvSpPr>
+        <p:spPr>
+          <a:xfrm>
+            <a:off x="478800" y="360000"/>
+            <a:ext cx="10800000" cy="1006200"/>
+          </a:xfrm>
+          <a:prstGeom prst="rect">
+            <a:avLst/>
+          </a:prstGeom>
+        </p:spPr>
+        <p:txBody>
+          <a:bodyPr anchorCtr="0" anchor="t" bIns="0" lIns="0" spcFirstLastPara="1" rIns="0" wrap="square" tIns="0">
+            <a:noAutofit/>
+          </a:bodyPr>
+          <a:lstStyle/>
+          <a:p>
+            <a:pPr indent="0" lvl="0" marL="0" rtl="0" algn="l">
+              <a:spcBef>
+                <a:spcPts val="0"/>
+              </a:spcBef>
+              <a:spcAft>
+                <a:spcPts val="0"/>
+              </a:spcAft>
+              <a:buNone/>
+            </a:pPr>
+            <a:r>
+              <a:rPr lang="en-GB"/>
+              <a:t>Deployment</a:t>
+            </a:r>
+            <a:endParaRPr/>
+          </a:p>
+        </p:txBody>
+      </p:sp>
+      <p:sp>
+        <p:nvSpPr>
+          <p:cNvPr id="496" name="Google Shape;496;p50"/>
+          <p:cNvSpPr txBox="1"/>
+          <p:nvPr>
+            <p:ph idx="1" type="body"/>
+          </p:nvPr>
+        </p:nvSpPr>
+        <p:spPr>
+          <a:xfrm>
+            <a:off x="478800" y="1440000"/>
+            <a:ext cx="10800000" cy="4680000"/>
+          </a:xfrm>
+          <a:prstGeom prst="rect">
+            <a:avLst/>
+          </a:prstGeom>
+        </p:spPr>
+        <p:txBody>
+          <a:bodyPr anchorCtr="0" anchor="t" bIns="0" lIns="0" spcFirstLastPara="1" rIns="0" wrap="square" tIns="0">
+            <a:noAutofit/>
+          </a:bodyPr>
+          <a:lstStyle/>
+          <a:p>
+            <a:pPr indent="0" lvl="0" marL="0" rtl="0" algn="l">
+              <a:spcBef>
+                <a:spcPts val="500"/>
+              </a:spcBef>
+              <a:spcAft>
+                <a:spcPts val="0"/>
+              </a:spcAft>
+              <a:buNone/>
+            </a:pPr>
+            <a:r>
+              <a:rPr b="1" lang="en-GB" sz="1600"/>
+              <a:t>Deployment instructions and example Helm configurations can also be found at</a:t>
+            </a:r>
+            <a:endParaRPr b="1" sz="1600"/>
+          </a:p>
+          <a:p>
+            <a:pPr indent="-317500" lvl="0" marL="457200" rtl="0" algn="l">
+              <a:spcBef>
+                <a:spcPts val="500"/>
+              </a:spcBef>
+              <a:spcAft>
+                <a:spcPts val="0"/>
+              </a:spcAft>
+              <a:buSzPts val="1400"/>
+              <a:buChar char="■"/>
+            </a:pPr>
+            <a:r>
+              <a:rPr lang="en-GB" sz="1400"/>
+              <a:t>FIWARE production on K8s repository</a:t>
+            </a:r>
+            <a:endParaRPr sz="1400"/>
+          </a:p>
+          <a:p>
+            <a:pPr indent="-317500" lvl="1" marL="914400" rtl="0" algn="l">
+              <a:spcBef>
+                <a:spcPts val="0"/>
+              </a:spcBef>
+              <a:spcAft>
+                <a:spcPts val="0"/>
+              </a:spcAft>
+              <a:buSzPts val="1400"/>
+              <a:buChar char="■"/>
+            </a:pPr>
+            <a:r>
+              <a:rPr lang="en-GB" sz="1400" u="sng">
+                <a:solidFill>
+                  <a:schemeClr val="hlink"/>
+                </a:solidFill>
+                <a:hlinkClick r:id="rId3"/>
+              </a:rPr>
+              <a:t>https://github.com/FIWARE/production-on-k8s</a:t>
+            </a:r>
+            <a:endParaRPr sz="1400"/>
+          </a:p>
+          <a:p>
+            <a:pPr indent="-317500" lvl="0" marL="457200" rtl="0" algn="l">
+              <a:spcBef>
+                <a:spcPts val="1000"/>
+              </a:spcBef>
+              <a:spcAft>
+                <a:spcPts val="0"/>
+              </a:spcAft>
+              <a:buSzPts val="1400"/>
+              <a:buChar char="■"/>
+            </a:pPr>
+            <a:r>
+              <a:rPr lang="en-GB" sz="1400"/>
+              <a:t>i4Trust tutorials repository</a:t>
+            </a:r>
+            <a:endParaRPr sz="1400"/>
+          </a:p>
+          <a:p>
+            <a:pPr indent="-317500" lvl="1" marL="914400" rtl="0" algn="l">
+              <a:spcBef>
+                <a:spcPts val="0"/>
+              </a:spcBef>
+              <a:spcAft>
+                <a:spcPts val="0"/>
+              </a:spcAft>
+              <a:buSzPts val="1400"/>
+              <a:buChar char="■"/>
+            </a:pPr>
+            <a:r>
+              <a:rPr lang="en-GB" sz="1400" u="sng">
+                <a:solidFill>
+                  <a:schemeClr val="hlink"/>
+                </a:solidFill>
+                <a:hlinkClick r:id="rId4"/>
+              </a:rPr>
+              <a:t>https://github.com/i4Trust/tutorials</a:t>
+            </a:r>
+            <a:endParaRPr sz="1400"/>
+          </a:p>
+          <a:p>
+            <a:pPr indent="0" lvl="0" marL="0" rtl="0" algn="l">
+              <a:spcBef>
+                <a:spcPts val="500"/>
+              </a:spcBef>
+              <a:spcAft>
+                <a:spcPts val="0"/>
+              </a:spcAft>
+              <a:buNone/>
+            </a:pPr>
+            <a:r>
+              <a:t/>
+            </a:r>
+            <a:endParaRPr sz="1400"/>
+          </a:p>
+          <a:p>
+            <a:pPr indent="0" lvl="0" marL="0" rtl="0" algn="l">
+              <a:spcBef>
+                <a:spcPts val="500"/>
+              </a:spcBef>
+              <a:spcAft>
+                <a:spcPts val="0"/>
+              </a:spcAft>
+              <a:buNone/>
+            </a:pPr>
+            <a:r>
+              <a:t/>
+            </a:r>
+            <a:endParaRPr sz="1400"/>
+          </a:p>
+          <a:p>
+            <a:pPr indent="0" lvl="0" marL="0" rtl="0" algn="l">
+              <a:spcBef>
+                <a:spcPts val="500"/>
+              </a:spcBef>
+              <a:spcAft>
+                <a:spcPts val="0"/>
+              </a:spcAft>
+              <a:buNone/>
+            </a:pPr>
+            <a:r>
+              <a:rPr b="1" lang="en-GB"/>
+              <a:t>Practical exercise</a:t>
+            </a:r>
+            <a:endParaRPr b="1"/>
+          </a:p>
+          <a:p>
+            <a:pPr indent="-317500" lvl="0" marL="457200" rtl="0" algn="l">
+              <a:spcBef>
+                <a:spcPts val="500"/>
+              </a:spcBef>
+              <a:spcAft>
+                <a:spcPts val="0"/>
+              </a:spcAft>
+              <a:buSzPts val="1400"/>
+              <a:buChar char="■"/>
+            </a:pPr>
+            <a:r>
+              <a:rPr lang="en-GB" sz="1400"/>
+              <a:t>Show a deployed setup of all required components for a NGSI-LD based data service provider within your own use case</a:t>
+            </a:r>
+            <a:endParaRPr sz="1400"/>
+          </a:p>
+          <a:p>
+            <a:pPr indent="-317500" lvl="0" marL="457200" rtl="0" algn="l">
+              <a:spcBef>
+                <a:spcPts val="0"/>
+              </a:spcBef>
+              <a:spcAft>
+                <a:spcPts val="0"/>
+              </a:spcAft>
+              <a:buSzPts val="1400"/>
+              <a:buChar char="■"/>
+            </a:pPr>
+            <a:r>
+              <a:rPr lang="en-GB" sz="1400"/>
+              <a:t>Build up an environment for a data consumer organization and demonstrate how a user is accessing the data service</a:t>
+            </a:r>
+            <a:endParaRPr sz="1400"/>
+          </a:p>
+        </p:txBody>
+      </p:sp>
+      <p:sp>
+        <p:nvSpPr>
+          <p:cNvPr id="497" name="Google Shape;497;p50"/>
+          <p:cNvSpPr txBox="1"/>
+          <p:nvPr>
+            <p:ph idx="12" type="sldNum"/>
+          </p:nvPr>
+        </p:nvSpPr>
+        <p:spPr>
+          <a:xfrm>
+            <a:off x="5407818" y="6492879"/>
+            <a:ext cx="1377600" cy="365100"/>
+          </a:xfrm>
+          <a:prstGeom prst="rect">
+            <a:avLst/>
+          </a:prstGeom>
+        </p:spPr>
+        <p:txBody>
+          <a:bodyPr anchorCtr="0" anchor="ctr" bIns="45700" lIns="91425" spcFirstLastPara="1" rIns="91425" wrap="square" tIns="45700">
+            <a:noAutofit/>
+          </a:bodyPr>
+          <a:lstStyle/>
+          <a:p>
+            <a:pPr indent="0" lvl="0" marL="0" rtl="0" algn="ctr">
+              <a:spcBef>
+                <a:spcPts val="0"/>
+              </a:spcBef>
+              <a:spcAft>
+                <a:spcPts val="0"/>
+              </a:spcAft>
+              <a:buClr>
+                <a:srgbClr val="000000"/>
+              </a:buClr>
+              <a:buSzPts val="1400"/>
+              <a:buFont typeface="Arial"/>
+              <a:buNone/>
+            </a:pPr>
+            <a:fld id="{00000000-1234-1234-1234-123412341234}" type="slidenum">
+              <a:rPr lang="en-GB"/>
+              <a:t>‹#›</a:t>
+            </a:fld>
+            <a:endParaRPr/>
+          </a:p>
+        </p:txBody>
+      </p:sp>
+    </p:spTree>
+  </p:cSld>
+  <p:clrMapOvr>
+    <a:masterClrMapping/>
+  </p:clrMapOvr>
+</p:sld>
+</file>
+
+<file path=ppt/slides/slide36.xml><?xml version="1.0" encoding="utf-8"?>
+<p:sld xmlns:a="http://schemas.openxmlformats.org/drawingml/2006/main" xmlns:r="http://schemas.openxmlformats.org/officeDocument/2006/relationships" xmlns:mc="http://schemas.openxmlformats.org/markup-compatibility/2006" xmlns:mv="urn:schemas-microsoft-com:mac:vml" xmlns:p="http://schemas.openxmlformats.org/presentationml/2006/main" xmlns:c="http://schemas.openxmlformats.org/drawingml/2006/chart" xmlns:dgm="http://schemas.openxmlformats.org/drawingml/2006/diagram" xmlns:o="urn:schemas-microsoft-com:office:office" xmlns:v="urn:schemas-microsoft-com:vml" xmlns:pvml="urn:schemas-microsoft-com:office:powerpoint" xmlns:com="http://schemas.openxmlformats.org/drawingml/2006/compatibility" xmlns:p14="http://schemas.microsoft.com/office/powerpoint/2010/main" xmlns:p15="http://schemas.microsoft.com/office/powerpoint/2012/main" xmlns:ahyp="http://schemas.microsoft.com/office/drawing/2018/hyperlinkcolor">
+  <p:cSld>
+    <p:spTree>
+      <p:nvGrpSpPr>
+        <p:cNvPr id="502" name="Shape 502"/>
+        <p:cNvGrpSpPr/>
+        <p:nvPr/>
+      </p:nvGrpSpPr>
+      <p:grpSpPr>
+        <a:xfrm>
+          <a:off x="0" y="0"/>
+          <a:ext cx="0" cy="0"/>
+          <a:chOff x="0" y="0"/>
+          <a:chExt cx="0" cy="0"/>
+        </a:xfrm>
+      </p:grpSpPr>
+      <p:sp>
+        <p:nvSpPr>
+          <p:cNvPr id="503" name="Google Shape;503;p51"/>
           <p:cNvSpPr txBox="1"/>
           <p:nvPr>
             <p:ph idx="1" type="subTitle"/>
@@ -41581,7 +42164,7 @@
           <a:p>
             <a:pPr indent="-317500" lvl="0" marL="457200" rtl="0" algn="l">
               <a:spcBef>
-                <a:spcPts val="0"/>
+                <a:spcPts val="1000"/>
               </a:spcBef>
               <a:spcAft>
                 <a:spcPts val="0"/>
@@ -41706,7 +42289,7 @@
           <a:p>
             <a:pPr indent="-317500" lvl="0" marL="457200" rtl="0" algn="l">
               <a:spcBef>
-                <a:spcPts val="0"/>
+                <a:spcPts val="1000"/>
               </a:spcBef>
               <a:spcAft>
                 <a:spcPts val="0"/>
@@ -43544,6 +44127,285 @@
 </file>
 
 <file path=ppt/theme/theme1.xml><?xml version="1.0" encoding="utf-8"?>
+<a:theme xmlns:a="http://schemas.openxmlformats.org/drawingml/2006/main" xmlns:r="http://schemas.openxmlformats.org/officeDocument/2006/relationships" name="Tema de Office">
+  <a:themeElements>
+    <a:clrScheme name="">
+      <a:dk1>
+        <a:srgbClr val="000000"/>
+      </a:dk1>
+      <a:lt1>
+        <a:srgbClr val="FFFFFF"/>
+      </a:lt1>
+      <a:dk2>
+        <a:srgbClr val="000000"/>
+      </a:dk2>
+      <a:lt2>
+        <a:srgbClr val="808080"/>
+      </a:lt2>
+      <a:accent1>
+        <a:srgbClr val="00CC99"/>
+      </a:accent1>
+      <a:accent2>
+        <a:srgbClr val="3333CC"/>
+      </a:accent2>
+      <a:accent3>
+        <a:srgbClr val="FFFFFF"/>
+      </a:accent3>
+      <a:accent4>
+        <a:srgbClr val="000000"/>
+      </a:accent4>
+      <a:accent5>
+        <a:srgbClr val="AAE2CA"/>
+      </a:accent5>
+      <a:accent6>
+        <a:srgbClr val="2D2DB9"/>
+      </a:accent6>
+      <a:hlink>
+        <a:srgbClr val="CCCCFF"/>
+      </a:hlink>
+      <a:folHlink>
+        <a:srgbClr val="B2B2B2"/>
+      </a:folHlink>
+    </a:clrScheme>
+    <a:fontScheme name="Office">
+      <a:majorFont>
+        <a:latin typeface="Arial"/>
+        <a:ea typeface=""/>
+        <a:cs typeface=""/>
+        <a:font script="Jpan" typeface="ＭＳ Ｐゴシック"/>
+        <a:font script="Hang" typeface="맑은 고딕"/>
+        <a:font script="Hans" typeface="宋体"/>
+        <a:font script="Hant" typeface="新細明體"/>
+        <a:font script="Arab" typeface="Times New Roman"/>
+        <a:font script="Hebr" typeface="Times New Roman"/>
+        <a:font script="Thai" typeface="Angsana New"/>
+        <a:font script="Ethi" typeface="Nyala"/>
+        <a:font script="Beng" typeface="Vrinda"/>
+        <a:font script="Gujr" typeface="Shruti"/>
+        <a:font script="Khmr" typeface="MoolBoran"/>
+        <a:font script="Knda" typeface="Tunga"/>
+        <a:font script="Guru" typeface="Raavi"/>
+        <a:font script="Cans" typeface="Euphemia"/>
+        <a:font script="Cher" typeface="Plantagenet Cherokee"/>
+        <a:font script="Yiii" typeface="Microsoft Yi Baiti"/>
+        <a:font script="Tibt" typeface="Microsoft Himalaya"/>
+        <a:font script="Thaa" typeface="MV Boli"/>
+        <a:font script="Deva" typeface="Mangal"/>
+        <a:font script="Telu" typeface="Gautami"/>
+        <a:font script="Taml" typeface="Latha"/>
+        <a:font script="Syrc" typeface="Estrangelo Edessa"/>
+        <a:font script="Orya" typeface="Kalinga"/>
+        <a:font script="Mlym" typeface="Kartika"/>
+        <a:font script="Laoo" typeface="DokChampa"/>
+        <a:font script="Sinh" typeface="Iskoola Pota"/>
+        <a:font script="Mong" typeface="Mongolian Baiti"/>
+        <a:font script="Viet" typeface="Times New Roman"/>
+        <a:font script="Uigh" typeface="Microsoft Uighur"/>
+        <a:font script="Geor" typeface="Sylfaen"/>
+      </a:majorFont>
+      <a:minorFont>
+        <a:latin typeface="Arial"/>
+        <a:ea typeface=""/>
+        <a:cs typeface=""/>
+        <a:font script="Jpan" typeface="ＭＳ Ｐゴシック"/>
+        <a:font script="Hang" typeface="맑은 고딕"/>
+        <a:font script="Hans" typeface="宋体"/>
+        <a:font script="Hant" typeface="新細明體"/>
+        <a:font script="Arab" typeface="Arial"/>
+        <a:font script="Hebr" typeface="Arial"/>
+        <a:font script="Thai" typeface="Cordia New"/>
+        <a:font script="Ethi" typeface="Nyala"/>
+        <a:font script="Beng" typeface="Vrinda"/>
+        <a:font script="Gujr" typeface="Shruti"/>
+        <a:font script="Khmr" typeface="DaunPenh"/>
+        <a:font script="Knda" typeface="Tunga"/>
+        <a:font script="Guru" typeface="Raavi"/>
+        <a:font script="Cans" typeface="Euphemia"/>
+        <a:font script="Cher" typeface="Plantagenet Cherokee"/>
+        <a:font script="Yiii" typeface="Microsoft Yi Baiti"/>
+        <a:font script="Tibt" typeface="Microsoft Himalaya"/>
+        <a:font script="Thaa" typeface="MV Boli"/>
+        <a:font script="Deva" typeface="Mangal"/>
+        <a:font script="Telu" typeface="Gautami"/>
+        <a:font script="Taml" typeface="Latha"/>
+        <a:font script="Syrc" typeface="Estrangelo Edessa"/>
+        <a:font script="Orya" typeface="Kalinga"/>
+        <a:font script="Mlym" typeface="Kartika"/>
+        <a:font script="Laoo" typeface="DokChampa"/>
+        <a:font script="Sinh" typeface="Iskoola Pota"/>
+        <a:font script="Mong" typeface="Mongolian Baiti"/>
+        <a:font script="Viet" typeface="Arial"/>
+        <a:font script="Uigh" typeface="Microsoft Uighur"/>
+        <a:font script="Geor" typeface="Sylfaen"/>
+      </a:minorFont>
+    </a:fontScheme>
+    <a:fmtScheme name="Office">
+      <a:fillStyleLst>
+        <a:solidFill>
+          <a:schemeClr val="phClr"/>
+        </a:solidFill>
+        <a:gradFill rotWithShape="1">
+          <a:gsLst>
+            <a:gs pos="0">
+              <a:schemeClr val="phClr">
+                <a:tint val="50000"/>
+                <a:satMod val="300000"/>
+              </a:schemeClr>
+            </a:gs>
+            <a:gs pos="35000">
+              <a:schemeClr val="phClr">
+                <a:tint val="37000"/>
+                <a:satMod val="300000"/>
+              </a:schemeClr>
+            </a:gs>
+            <a:gs pos="100000">
+              <a:schemeClr val="phClr">
+                <a:tint val="15000"/>
+                <a:satMod val="350000"/>
+              </a:schemeClr>
+            </a:gs>
+          </a:gsLst>
+          <a:lin ang="16200000" scaled="1"/>
+        </a:gradFill>
+        <a:gradFill rotWithShape="1">
+          <a:gsLst>
+            <a:gs pos="0">
+              <a:schemeClr val="phClr">
+                <a:tint val="100000"/>
+                <a:shade val="100000"/>
+                <a:satMod val="130000"/>
+              </a:schemeClr>
+            </a:gs>
+            <a:gs pos="100000">
+              <a:schemeClr val="phClr">
+                <a:tint val="50000"/>
+                <a:shade val="100000"/>
+                <a:satMod val="350000"/>
+              </a:schemeClr>
+            </a:gs>
+          </a:gsLst>
+          <a:lin ang="16200000" scaled="0"/>
+        </a:gradFill>
+      </a:fillStyleLst>
+      <a:lnStyleLst>
+        <a:ln w="9525" cap="flat" cmpd="sng" algn="ctr">
+          <a:solidFill>
+            <a:schemeClr val="phClr">
+              <a:shade val="95000"/>
+              <a:satMod val="105000"/>
+            </a:schemeClr>
+          </a:solidFill>
+          <a:prstDash val="solid"/>
+        </a:ln>
+        <a:ln w="25400" cap="flat" cmpd="sng" algn="ctr">
+          <a:solidFill>
+            <a:schemeClr val="phClr"/>
+          </a:solidFill>
+          <a:prstDash val="solid"/>
+        </a:ln>
+        <a:ln w="38100" cap="flat" cmpd="sng" algn="ctr">
+          <a:solidFill>
+            <a:schemeClr val="phClr"/>
+          </a:solidFill>
+          <a:prstDash val="solid"/>
+        </a:ln>
+      </a:lnStyleLst>
+      <a:effectStyleLst>
+        <a:effectStyle>
+          <a:effectLst>
+            <a:outerShdw blurRad="40000" dist="20000" dir="5400000" rotWithShape="0">
+              <a:srgbClr val="000000">
+                <a:alpha val="38000"/>
+              </a:srgbClr>
+            </a:outerShdw>
+          </a:effectLst>
+        </a:effectStyle>
+        <a:effectStyle>
+          <a:effectLst>
+            <a:outerShdw blurRad="40000" dist="23000" dir="5400000" rotWithShape="0">
+              <a:srgbClr val="000000">
+                <a:alpha val="35000"/>
+              </a:srgbClr>
+            </a:outerShdw>
+          </a:effectLst>
+        </a:effectStyle>
+        <a:effectStyle>
+          <a:effectLst>
+            <a:outerShdw blurRad="40000" dist="23000" dir="5400000" rotWithShape="0">
+              <a:srgbClr val="000000">
+                <a:alpha val="35000"/>
+              </a:srgbClr>
+            </a:outerShdw>
+          </a:effectLst>
+          <a:scene3d>
+            <a:camera prst="orthographicFront">
+              <a:rot lat="0" lon="0" rev="0"/>
+            </a:camera>
+            <a:lightRig rig="threePt" dir="t">
+              <a:rot lat="0" lon="0" rev="1200000"/>
+            </a:lightRig>
+          </a:scene3d>
+          <a:sp3d>
+            <a:bevelT w="63500" h="25400"/>
+          </a:sp3d>
+        </a:effectStyle>
+      </a:effectStyleLst>
+      <a:bgFillStyleLst>
+        <a:solidFill>
+          <a:schemeClr val="phClr"/>
+        </a:solidFill>
+        <a:gradFill rotWithShape="1">
+          <a:gsLst>
+            <a:gs pos="0">
+              <a:schemeClr val="phClr">
+                <a:tint val="40000"/>
+                <a:satMod val="350000"/>
+              </a:schemeClr>
+            </a:gs>
+            <a:gs pos="40000">
+              <a:schemeClr val="phClr">
+                <a:tint val="45000"/>
+                <a:shade val="99000"/>
+                <a:satMod val="350000"/>
+              </a:schemeClr>
+            </a:gs>
+            <a:gs pos="100000">
+              <a:schemeClr val="phClr">
+                <a:shade val="20000"/>
+                <a:satMod val="255000"/>
+              </a:schemeClr>
+            </a:gs>
+          </a:gsLst>
+          <a:path path="circle">
+            <a:fillToRect l="50000" t="-80000" r="50000" b="180000"/>
+          </a:path>
+        </a:gradFill>
+        <a:gradFill rotWithShape="1">
+          <a:gsLst>
+            <a:gs pos="0">
+              <a:schemeClr val="phClr">
+                <a:tint val="80000"/>
+                <a:satMod val="300000"/>
+              </a:schemeClr>
+            </a:gs>
+            <a:gs pos="100000">
+              <a:schemeClr val="phClr">
+                <a:shade val="30000"/>
+                <a:satMod val="200000"/>
+              </a:schemeClr>
+            </a:gs>
+          </a:gsLst>
+          <a:path path="circle">
+            <a:fillToRect l="50000" t="50000" r="50000" b="50000"/>
+          </a:path>
+        </a:gradFill>
+      </a:bgFillStyleLst>
+    </a:fmtScheme>
+  </a:themeElements>
+</a:theme>
+</file>
+
+<file path=ppt/theme/theme2.xml><?xml version="1.0" encoding="utf-8"?>
 <a:theme xmlns:a="http://schemas.openxmlformats.org/drawingml/2006/main" xmlns:r="http://schemas.openxmlformats.org/officeDocument/2006/relationships" name="Custom Design">
   <a:themeElements>
     <a:clrScheme name="Office">
@@ -43820,283 +44682,4 @@
     </a:fmtScheme>
   </a:themeElements>
 </a:theme>
-</file>
-
-<file path=ppt/theme/theme2.xml><?xml version="1.0" encoding="utf-8"?>
-<a:theme xmlns:a="http://schemas.openxmlformats.org/drawingml/2006/main" xmlns:r="http://schemas.openxmlformats.org/officeDocument/2006/relationships" name="Tema de Office">
-  <a:themeElements>
-    <a:clrScheme name="">
-      <a:dk1>
-        <a:srgbClr val="000000"/>
-      </a:dk1>
-      <a:lt1>
-        <a:srgbClr val="FFFFFF"/>
-      </a:lt1>
-      <a:dk2>
-        <a:srgbClr val="000000"/>
-      </a:dk2>
-      <a:lt2>
-        <a:srgbClr val="808080"/>
-      </a:lt2>
-      <a:accent1>
-        <a:srgbClr val="00CC99"/>
-      </a:accent1>
-      <a:accent2>
-        <a:srgbClr val="3333CC"/>
-      </a:accent2>
-      <a:accent3>
-        <a:srgbClr val="FFFFFF"/>
-      </a:accent3>
-      <a:accent4>
-        <a:srgbClr val="000000"/>
-      </a:accent4>
-      <a:accent5>
-        <a:srgbClr val="AAE2CA"/>
-      </a:accent5>
-      <a:accent6>
-        <a:srgbClr val="2D2DB9"/>
-      </a:accent6>
-      <a:hlink>
-        <a:srgbClr val="CCCCFF"/>
-      </a:hlink>
-      <a:folHlink>
-        <a:srgbClr val="B2B2B2"/>
-      </a:folHlink>
-    </a:clrScheme>
-    <a:fontScheme name="Office">
-      <a:majorFont>
-        <a:latin typeface="Arial"/>
-        <a:ea typeface=""/>
-        <a:cs typeface=""/>
-        <a:font script="Jpan" typeface="ＭＳ Ｐゴシック"/>
-        <a:font script="Hang" typeface="맑은 고딕"/>
-        <a:font script="Hans" typeface="宋体"/>
-        <a:font script="Hant" typeface="新細明體"/>
-        <a:font script="Arab" typeface="Times New Roman"/>
-        <a:font script="Hebr" typeface="Times New Roman"/>
-        <a:font script="Thai" typeface="Angsana New"/>
-        <a:font script="Ethi" typeface="Nyala"/>
-        <a:font script="Beng" typeface="Vrinda"/>
-        <a:font script="Gujr" typeface="Shruti"/>
-        <a:font script="Khmr" typeface="MoolBoran"/>
-        <a:font script="Knda" typeface="Tunga"/>
-        <a:font script="Guru" typeface="Raavi"/>
-        <a:font script="Cans" typeface="Euphemia"/>
-        <a:font script="Cher" typeface="Plantagenet Cherokee"/>
-        <a:font script="Yiii" typeface="Microsoft Yi Baiti"/>
-        <a:font script="Tibt" typeface="Microsoft Himalaya"/>
-        <a:font script="Thaa" typeface="MV Boli"/>
-        <a:font script="Deva" typeface="Mangal"/>
-        <a:font script="Telu" typeface="Gautami"/>
-        <a:font script="Taml" typeface="Latha"/>
-        <a:font script="Syrc" typeface="Estrangelo Edessa"/>
-        <a:font script="Orya" typeface="Kalinga"/>
-        <a:font script="Mlym" typeface="Kartika"/>
-        <a:font script="Laoo" typeface="DokChampa"/>
-        <a:font script="Sinh" typeface="Iskoola Pota"/>
-        <a:font script="Mong" typeface="Mongolian Baiti"/>
-        <a:font script="Viet" typeface="Times New Roman"/>
-        <a:font script="Uigh" typeface="Microsoft Uighur"/>
-        <a:font script="Geor" typeface="Sylfaen"/>
-      </a:majorFont>
-      <a:minorFont>
-        <a:latin typeface="Arial"/>
-        <a:ea typeface=""/>
-        <a:cs typeface=""/>
-        <a:font script="Jpan" typeface="ＭＳ Ｐゴシック"/>
-        <a:font script="Hang" typeface="맑은 고딕"/>
-        <a:font script="Hans" typeface="宋体"/>
-        <a:font script="Hant" typeface="新細明體"/>
-        <a:font script="Arab" typeface="Arial"/>
-        <a:font script="Hebr" typeface="Arial"/>
-        <a:font script="Thai" typeface="Cordia New"/>
-        <a:font script="Ethi" typeface="Nyala"/>
-        <a:font script="Beng" typeface="Vrinda"/>
-        <a:font script="Gujr" typeface="Shruti"/>
-        <a:font script="Khmr" typeface="DaunPenh"/>
-        <a:font script="Knda" typeface="Tunga"/>
-        <a:font script="Guru" typeface="Raavi"/>
-        <a:font script="Cans" typeface="Euphemia"/>
-        <a:font script="Cher" typeface="Plantagenet Cherokee"/>
-        <a:font script="Yiii" typeface="Microsoft Yi Baiti"/>
-        <a:font script="Tibt" typeface="Microsoft Himalaya"/>
-        <a:font script="Thaa" typeface="MV Boli"/>
-        <a:font script="Deva" typeface="Mangal"/>
-        <a:font script="Telu" typeface="Gautami"/>
-        <a:font script="Taml" typeface="Latha"/>
-        <a:font script="Syrc" typeface="Estrangelo Edessa"/>
-        <a:font script="Orya" typeface="Kalinga"/>
-        <a:font script="Mlym" typeface="Kartika"/>
-        <a:font script="Laoo" typeface="DokChampa"/>
-        <a:font script="Sinh" typeface="Iskoola Pota"/>
-        <a:font script="Mong" typeface="Mongolian Baiti"/>
-        <a:font script="Viet" typeface="Arial"/>
-        <a:font script="Uigh" typeface="Microsoft Uighur"/>
-        <a:font script="Geor" typeface="Sylfaen"/>
-      </a:minorFont>
-    </a:fontScheme>
-    <a:fmtScheme name="Office">
-      <a:fillStyleLst>
-        <a:solidFill>
-          <a:schemeClr val="phClr"/>
-        </a:solidFill>
-        <a:gradFill rotWithShape="1">
-          <a:gsLst>
-            <a:gs pos="0">
-              <a:schemeClr val="phClr">
-                <a:tint val="50000"/>
-                <a:satMod val="300000"/>
-              </a:schemeClr>
-            </a:gs>
-            <a:gs pos="35000">
-              <a:schemeClr val="phClr">
-                <a:tint val="37000"/>
-                <a:satMod val="300000"/>
-              </a:schemeClr>
-            </a:gs>
-            <a:gs pos="100000">
-              <a:schemeClr val="phClr">
-                <a:tint val="15000"/>
-                <a:satMod val="350000"/>
-              </a:schemeClr>
-            </a:gs>
-          </a:gsLst>
-          <a:lin ang="16200000" scaled="1"/>
-        </a:gradFill>
-        <a:gradFill rotWithShape="1">
-          <a:gsLst>
-            <a:gs pos="0">
-              <a:schemeClr val="phClr">
-                <a:tint val="100000"/>
-                <a:shade val="100000"/>
-                <a:satMod val="130000"/>
-              </a:schemeClr>
-            </a:gs>
-            <a:gs pos="100000">
-              <a:schemeClr val="phClr">
-                <a:tint val="50000"/>
-                <a:shade val="100000"/>
-                <a:satMod val="350000"/>
-              </a:schemeClr>
-            </a:gs>
-          </a:gsLst>
-          <a:lin ang="16200000" scaled="0"/>
-        </a:gradFill>
-      </a:fillStyleLst>
-      <a:lnStyleLst>
-        <a:ln w="9525" cap="flat" cmpd="sng" algn="ctr">
-          <a:solidFill>
-            <a:schemeClr val="phClr">
-              <a:shade val="95000"/>
-              <a:satMod val="105000"/>
-            </a:schemeClr>
-          </a:solidFill>
-          <a:prstDash val="solid"/>
-        </a:ln>
-        <a:ln w="25400" cap="flat" cmpd="sng" algn="ctr">
-          <a:solidFill>
-            <a:schemeClr val="phClr"/>
-          </a:solidFill>
-          <a:prstDash val="solid"/>
-        </a:ln>
-        <a:ln w="38100" cap="flat" cmpd="sng" algn="ctr">
-          <a:solidFill>
-            <a:schemeClr val="phClr"/>
-          </a:solidFill>
-          <a:prstDash val="solid"/>
-        </a:ln>
-      </a:lnStyleLst>
-      <a:effectStyleLst>
-        <a:effectStyle>
-          <a:effectLst>
-            <a:outerShdw blurRad="40000" dist="20000" dir="5400000" rotWithShape="0">
-              <a:srgbClr val="000000">
-                <a:alpha val="38000"/>
-              </a:srgbClr>
-            </a:outerShdw>
-          </a:effectLst>
-        </a:effectStyle>
-        <a:effectStyle>
-          <a:effectLst>
-            <a:outerShdw blurRad="40000" dist="23000" dir="5400000" rotWithShape="0">
-              <a:srgbClr val="000000">
-                <a:alpha val="35000"/>
-              </a:srgbClr>
-            </a:outerShdw>
-          </a:effectLst>
-        </a:effectStyle>
-        <a:effectStyle>
-          <a:effectLst>
-            <a:outerShdw blurRad="40000" dist="23000" dir="5400000" rotWithShape="0">
-              <a:srgbClr val="000000">
-                <a:alpha val="35000"/>
-              </a:srgbClr>
-            </a:outerShdw>
-          </a:effectLst>
-          <a:scene3d>
-            <a:camera prst="orthographicFront">
-              <a:rot lat="0" lon="0" rev="0"/>
-            </a:camera>
-            <a:lightRig rig="threePt" dir="t">
-              <a:rot lat="0" lon="0" rev="1200000"/>
-            </a:lightRig>
-          </a:scene3d>
-          <a:sp3d>
-            <a:bevelT w="63500" h="25400"/>
-          </a:sp3d>
-        </a:effectStyle>
-      </a:effectStyleLst>
-      <a:bgFillStyleLst>
-        <a:solidFill>
-          <a:schemeClr val="phClr"/>
-        </a:solidFill>
-        <a:gradFill rotWithShape="1">
-          <a:gsLst>
-            <a:gs pos="0">
-              <a:schemeClr val="phClr">
-                <a:tint val="40000"/>
-                <a:satMod val="350000"/>
-              </a:schemeClr>
-            </a:gs>
-            <a:gs pos="40000">
-              <a:schemeClr val="phClr">
-                <a:tint val="45000"/>
-                <a:shade val="99000"/>
-                <a:satMod val="350000"/>
-              </a:schemeClr>
-            </a:gs>
-            <a:gs pos="100000">
-              <a:schemeClr val="phClr">
-                <a:shade val="20000"/>
-                <a:satMod val="255000"/>
-              </a:schemeClr>
-            </a:gs>
-          </a:gsLst>
-          <a:path path="circle">
-            <a:fillToRect l="50000" t="-80000" r="50000" b="180000"/>
-          </a:path>
-        </a:gradFill>
-        <a:gradFill rotWithShape="1">
-          <a:gsLst>
-            <a:gs pos="0">
-              <a:schemeClr val="phClr">
-                <a:tint val="80000"/>
-                <a:satMod val="300000"/>
-              </a:schemeClr>
-            </a:gs>
-            <a:gs pos="100000">
-              <a:schemeClr val="phClr">
-                <a:shade val="30000"/>
-                <a:satMod val="200000"/>
-              </a:schemeClr>
-            </a:gs>
-          </a:gsLst>
-          <a:path path="circle">
-            <a:fillToRect l="50000" t="50000" r="50000" b="50000"/>
-          </a:path>
-        </a:gradFill>
-      </a:bgFillStyleLst>
-    </a:fmtScheme>
-  </a:themeElements>
-</a:theme>
 </file>